--- a/slides/01.Logistics.pptx
+++ b/slides/01.Logistics.pptx
@@ -4,13 +4,18 @@
   <p:sldMasterIdLst>
     <p:sldMasterId id="2147483648" r:id="rId1"/>
   </p:sldMasterIdLst>
+  <p:notesMasterIdLst>
+    <p:notesMasterId r:id="rId10"/>
+  </p:notesMasterIdLst>
   <p:sldIdLst>
     <p:sldId id="256" r:id="rId2"/>
-    <p:sldId id="263" r:id="rId3"/>
+    <p:sldId id="268" r:id="rId3"/>
     <p:sldId id="266" r:id="rId4"/>
-    <p:sldId id="264" r:id="rId5"/>
-    <p:sldId id="258" r:id="rId6"/>
-    <p:sldId id="265" r:id="rId7"/>
+    <p:sldId id="263" r:id="rId5"/>
+    <p:sldId id="267" r:id="rId6"/>
+    <p:sldId id="264" r:id="rId7"/>
+    <p:sldId id="258" r:id="rId8"/>
+    <p:sldId id="265" r:id="rId9"/>
   </p:sldIdLst>
   <p:sldSz cx="9144000" cy="6858000" type="screen4x3"/>
   <p:notesSz cx="6858000" cy="9144000"/>
@@ -112,6 +117,624 @@
 </p:presentation>
 </file>
 
+<file path=ppt/notesMasters/notesMaster1.xml><?xml version="1.0" encoding="utf-8"?>
+<p:notesMaster xmlns:a="http://schemas.openxmlformats.org/drawingml/2006/main" xmlns:r="http://schemas.openxmlformats.org/officeDocument/2006/relationships" xmlns:p="http://schemas.openxmlformats.org/presentationml/2006/main">
+  <p:cSld>
+    <p:bg>
+      <p:bgRef idx="1001">
+        <a:schemeClr val="bg1"/>
+      </p:bgRef>
+    </p:bg>
+    <p:spTree>
+      <p:nvGrpSpPr>
+        <p:cNvPr id="1" name=""/>
+        <p:cNvGrpSpPr/>
+        <p:nvPr/>
+      </p:nvGrpSpPr>
+      <p:grpSpPr>
+        <a:xfrm>
+          <a:off x="0" y="0"/>
+          <a:ext cx="0" cy="0"/>
+          <a:chOff x="0" y="0"/>
+          <a:chExt cx="0" cy="0"/>
+        </a:xfrm>
+      </p:grpSpPr>
+      <p:sp>
+        <p:nvSpPr>
+          <p:cNvPr id="2" name="Header Placeholder 1"/>
+          <p:cNvSpPr>
+            <a:spLocks noGrp="1"/>
+          </p:cNvSpPr>
+          <p:nvPr>
+            <p:ph type="hdr" sz="quarter"/>
+          </p:nvPr>
+        </p:nvSpPr>
+        <p:spPr>
+          <a:xfrm>
+            <a:off x="0" y="0"/>
+            <a:ext cx="2971800" cy="457200"/>
+          </a:xfrm>
+          <a:prstGeom prst="rect">
+            <a:avLst/>
+          </a:prstGeom>
+        </p:spPr>
+        <p:txBody>
+          <a:bodyPr vert="horz" lIns="91440" tIns="45720" rIns="91440" bIns="45720" rtlCol="0"/>
+          <a:lstStyle>
+            <a:lvl1pPr algn="l">
+              <a:defRPr sz="1200"/>
+            </a:lvl1pPr>
+          </a:lstStyle>
+          <a:p>
+            <a:endParaRPr lang="en-MY"/>
+          </a:p>
+        </p:txBody>
+      </p:sp>
+      <p:sp>
+        <p:nvSpPr>
+          <p:cNvPr id="3" name="Date Placeholder 2"/>
+          <p:cNvSpPr>
+            <a:spLocks noGrp="1"/>
+          </p:cNvSpPr>
+          <p:nvPr>
+            <p:ph type="dt" idx="1"/>
+          </p:nvPr>
+        </p:nvSpPr>
+        <p:spPr>
+          <a:xfrm>
+            <a:off x="3884613" y="0"/>
+            <a:ext cx="2971800" cy="457200"/>
+          </a:xfrm>
+          <a:prstGeom prst="rect">
+            <a:avLst/>
+          </a:prstGeom>
+        </p:spPr>
+        <p:txBody>
+          <a:bodyPr vert="horz" lIns="91440" tIns="45720" rIns="91440" bIns="45720" rtlCol="0"/>
+          <a:lstStyle>
+            <a:lvl1pPr algn="r">
+              <a:defRPr sz="1200"/>
+            </a:lvl1pPr>
+          </a:lstStyle>
+          <a:p>
+            <a:fld id="{9B98F8E7-E3A3-4012-8276-05C5C2284F3E}" type="datetimeFigureOut">
+              <a:rPr lang="en-MY" smtClean="0"/>
+              <a:t>05/09/2019</a:t>
+            </a:fld>
+            <a:endParaRPr lang="en-MY"/>
+          </a:p>
+        </p:txBody>
+      </p:sp>
+      <p:sp>
+        <p:nvSpPr>
+          <p:cNvPr id="4" name="Slide Image Placeholder 3"/>
+          <p:cNvSpPr>
+            <a:spLocks noGrp="1" noRot="1" noChangeAspect="1"/>
+          </p:cNvSpPr>
+          <p:nvPr>
+            <p:ph type="sldImg" idx="2"/>
+          </p:nvPr>
+        </p:nvSpPr>
+        <p:spPr>
+          <a:xfrm>
+            <a:off x="1143000" y="685800"/>
+            <a:ext cx="4572000" cy="3429000"/>
+          </a:xfrm>
+          <a:prstGeom prst="rect">
+            <a:avLst/>
+          </a:prstGeom>
+          <a:noFill/>
+          <a:ln w="12700">
+            <a:solidFill>
+              <a:prstClr val="black"/>
+            </a:solidFill>
+          </a:ln>
+        </p:spPr>
+        <p:txBody>
+          <a:bodyPr vert="horz" lIns="91440" tIns="45720" rIns="91440" bIns="45720" rtlCol="0" anchor="ctr"/>
+          <a:lstStyle/>
+          <a:p>
+            <a:endParaRPr lang="en-MY"/>
+          </a:p>
+        </p:txBody>
+      </p:sp>
+      <p:sp>
+        <p:nvSpPr>
+          <p:cNvPr id="5" name="Notes Placeholder 4"/>
+          <p:cNvSpPr>
+            <a:spLocks noGrp="1"/>
+          </p:cNvSpPr>
+          <p:nvPr>
+            <p:ph type="body" sz="quarter" idx="3"/>
+          </p:nvPr>
+        </p:nvSpPr>
+        <p:spPr>
+          <a:xfrm>
+            <a:off x="685800" y="4343400"/>
+            <a:ext cx="5486400" cy="4114800"/>
+          </a:xfrm>
+          <a:prstGeom prst="rect">
+            <a:avLst/>
+          </a:prstGeom>
+        </p:spPr>
+        <p:txBody>
+          <a:bodyPr vert="horz" lIns="91440" tIns="45720" rIns="91440" bIns="45720" rtlCol="0"/>
+          <a:lstStyle/>
+          <a:p>
+            <a:pPr lvl="0"/>
+            <a:r>
+              <a:rPr lang="en-US" smtClean="0"/>
+              <a:t>Click to edit Master text styles</a:t>
+            </a:r>
+          </a:p>
+          <a:p>
+            <a:pPr lvl="1"/>
+            <a:r>
+              <a:rPr lang="en-US" smtClean="0"/>
+              <a:t>Second level</a:t>
+            </a:r>
+          </a:p>
+          <a:p>
+            <a:pPr lvl="2"/>
+            <a:r>
+              <a:rPr lang="en-US" smtClean="0"/>
+              <a:t>Third level</a:t>
+            </a:r>
+          </a:p>
+          <a:p>
+            <a:pPr lvl="3"/>
+            <a:r>
+              <a:rPr lang="en-US" smtClean="0"/>
+              <a:t>Fourth level</a:t>
+            </a:r>
+          </a:p>
+          <a:p>
+            <a:pPr lvl="4"/>
+            <a:r>
+              <a:rPr lang="en-US" smtClean="0"/>
+              <a:t>Fifth level</a:t>
+            </a:r>
+            <a:endParaRPr lang="en-MY"/>
+          </a:p>
+        </p:txBody>
+      </p:sp>
+      <p:sp>
+        <p:nvSpPr>
+          <p:cNvPr id="6" name="Footer Placeholder 5"/>
+          <p:cNvSpPr>
+            <a:spLocks noGrp="1"/>
+          </p:cNvSpPr>
+          <p:nvPr>
+            <p:ph type="ftr" sz="quarter" idx="4"/>
+          </p:nvPr>
+        </p:nvSpPr>
+        <p:spPr>
+          <a:xfrm>
+            <a:off x="0" y="8685213"/>
+            <a:ext cx="2971800" cy="457200"/>
+          </a:xfrm>
+          <a:prstGeom prst="rect">
+            <a:avLst/>
+          </a:prstGeom>
+        </p:spPr>
+        <p:txBody>
+          <a:bodyPr vert="horz" lIns="91440" tIns="45720" rIns="91440" bIns="45720" rtlCol="0" anchor="b"/>
+          <a:lstStyle>
+            <a:lvl1pPr algn="l">
+              <a:defRPr sz="1200"/>
+            </a:lvl1pPr>
+          </a:lstStyle>
+          <a:p>
+            <a:endParaRPr lang="en-MY"/>
+          </a:p>
+        </p:txBody>
+      </p:sp>
+      <p:sp>
+        <p:nvSpPr>
+          <p:cNvPr id="7" name="Slide Number Placeholder 6"/>
+          <p:cNvSpPr>
+            <a:spLocks noGrp="1"/>
+          </p:cNvSpPr>
+          <p:nvPr>
+            <p:ph type="sldNum" sz="quarter" idx="5"/>
+          </p:nvPr>
+        </p:nvSpPr>
+        <p:spPr>
+          <a:xfrm>
+            <a:off x="3884613" y="8685213"/>
+            <a:ext cx="2971800" cy="457200"/>
+          </a:xfrm>
+          <a:prstGeom prst="rect">
+            <a:avLst/>
+          </a:prstGeom>
+        </p:spPr>
+        <p:txBody>
+          <a:bodyPr vert="horz" lIns="91440" tIns="45720" rIns="91440" bIns="45720" rtlCol="0" anchor="b"/>
+          <a:lstStyle>
+            <a:lvl1pPr algn="r">
+              <a:defRPr sz="1200"/>
+            </a:lvl1pPr>
+          </a:lstStyle>
+          <a:p>
+            <a:fld id="{D887D295-F987-46C7-BDE2-10E7279C044E}" type="slidenum">
+              <a:rPr lang="en-MY" smtClean="0"/>
+              <a:t>‹#›</a:t>
+            </a:fld>
+            <a:endParaRPr lang="en-MY"/>
+          </a:p>
+        </p:txBody>
+      </p:sp>
+    </p:spTree>
+    <p:extLst>
+      <p:ext uri="{BB962C8B-B14F-4D97-AF65-F5344CB8AC3E}">
+        <p14:creationId xmlns:p14="http://schemas.microsoft.com/office/powerpoint/2010/main" val="2732892807"/>
+      </p:ext>
+    </p:extLst>
+  </p:cSld>
+  <p:clrMap bg1="lt1" tx1="dk1" bg2="lt2" tx2="dk2" accent1="accent1" accent2="accent2" accent3="accent3" accent4="accent4" accent5="accent5" accent6="accent6" hlink="hlink" folHlink="folHlink"/>
+  <p:notesStyle>
+    <a:lvl1pPr marL="0" algn="l" defTabSz="914400" rtl="0" eaLnBrk="1" latinLnBrk="0" hangingPunct="1">
+      <a:defRPr sz="1200" kern="1200">
+        <a:solidFill>
+          <a:schemeClr val="tx1"/>
+        </a:solidFill>
+        <a:latin typeface="+mn-lt"/>
+        <a:ea typeface="+mn-ea"/>
+        <a:cs typeface="+mn-cs"/>
+      </a:defRPr>
+    </a:lvl1pPr>
+    <a:lvl2pPr marL="457200" algn="l" defTabSz="914400" rtl="0" eaLnBrk="1" latinLnBrk="0" hangingPunct="1">
+      <a:defRPr sz="1200" kern="1200">
+        <a:solidFill>
+          <a:schemeClr val="tx1"/>
+        </a:solidFill>
+        <a:latin typeface="+mn-lt"/>
+        <a:ea typeface="+mn-ea"/>
+        <a:cs typeface="+mn-cs"/>
+      </a:defRPr>
+    </a:lvl2pPr>
+    <a:lvl3pPr marL="914400" algn="l" defTabSz="914400" rtl="0" eaLnBrk="1" latinLnBrk="0" hangingPunct="1">
+      <a:defRPr sz="1200" kern="1200">
+        <a:solidFill>
+          <a:schemeClr val="tx1"/>
+        </a:solidFill>
+        <a:latin typeface="+mn-lt"/>
+        <a:ea typeface="+mn-ea"/>
+        <a:cs typeface="+mn-cs"/>
+      </a:defRPr>
+    </a:lvl3pPr>
+    <a:lvl4pPr marL="1371600" algn="l" defTabSz="914400" rtl="0" eaLnBrk="1" latinLnBrk="0" hangingPunct="1">
+      <a:defRPr sz="1200" kern="1200">
+        <a:solidFill>
+          <a:schemeClr val="tx1"/>
+        </a:solidFill>
+        <a:latin typeface="+mn-lt"/>
+        <a:ea typeface="+mn-ea"/>
+        <a:cs typeface="+mn-cs"/>
+      </a:defRPr>
+    </a:lvl4pPr>
+    <a:lvl5pPr marL="1828800" algn="l" defTabSz="914400" rtl="0" eaLnBrk="1" latinLnBrk="0" hangingPunct="1">
+      <a:defRPr sz="1200" kern="1200">
+        <a:solidFill>
+          <a:schemeClr val="tx1"/>
+        </a:solidFill>
+        <a:latin typeface="+mn-lt"/>
+        <a:ea typeface="+mn-ea"/>
+        <a:cs typeface="+mn-cs"/>
+      </a:defRPr>
+    </a:lvl5pPr>
+    <a:lvl6pPr marL="2286000" algn="l" defTabSz="914400" rtl="0" eaLnBrk="1" latinLnBrk="0" hangingPunct="1">
+      <a:defRPr sz="1200" kern="1200">
+        <a:solidFill>
+          <a:schemeClr val="tx1"/>
+        </a:solidFill>
+        <a:latin typeface="+mn-lt"/>
+        <a:ea typeface="+mn-ea"/>
+        <a:cs typeface="+mn-cs"/>
+      </a:defRPr>
+    </a:lvl6pPr>
+    <a:lvl7pPr marL="2743200" algn="l" defTabSz="914400" rtl="0" eaLnBrk="1" latinLnBrk="0" hangingPunct="1">
+      <a:defRPr sz="1200" kern="1200">
+        <a:solidFill>
+          <a:schemeClr val="tx1"/>
+        </a:solidFill>
+        <a:latin typeface="+mn-lt"/>
+        <a:ea typeface="+mn-ea"/>
+        <a:cs typeface="+mn-cs"/>
+      </a:defRPr>
+    </a:lvl7pPr>
+    <a:lvl8pPr marL="3200400" algn="l" defTabSz="914400" rtl="0" eaLnBrk="1" latinLnBrk="0" hangingPunct="1">
+      <a:defRPr sz="1200" kern="1200">
+        <a:solidFill>
+          <a:schemeClr val="tx1"/>
+        </a:solidFill>
+        <a:latin typeface="+mn-lt"/>
+        <a:ea typeface="+mn-ea"/>
+        <a:cs typeface="+mn-cs"/>
+      </a:defRPr>
+    </a:lvl8pPr>
+    <a:lvl9pPr marL="3657600" algn="l" defTabSz="914400" rtl="0" eaLnBrk="1" latinLnBrk="0" hangingPunct="1">
+      <a:defRPr sz="1200" kern="1200">
+        <a:solidFill>
+          <a:schemeClr val="tx1"/>
+        </a:solidFill>
+        <a:latin typeface="+mn-lt"/>
+        <a:ea typeface="+mn-ea"/>
+        <a:cs typeface="+mn-cs"/>
+      </a:defRPr>
+    </a:lvl9pPr>
+  </p:notesStyle>
+</p:notesMaster>
+</file>
+
+<file path=ppt/notesSlides/notesSlide1.xml><?xml version="1.0" encoding="utf-8"?>
+<p:notes xmlns:a="http://schemas.openxmlformats.org/drawingml/2006/main" xmlns:r="http://schemas.openxmlformats.org/officeDocument/2006/relationships" xmlns:p="http://schemas.openxmlformats.org/presentationml/2006/main">
+  <p:cSld>
+    <p:spTree>
+      <p:nvGrpSpPr>
+        <p:cNvPr id="1" name=""/>
+        <p:cNvGrpSpPr/>
+        <p:nvPr/>
+      </p:nvGrpSpPr>
+      <p:grpSpPr>
+        <a:xfrm>
+          <a:off x="0" y="0"/>
+          <a:ext cx="0" cy="0"/>
+          <a:chOff x="0" y="0"/>
+          <a:chExt cx="0" cy="0"/>
+        </a:xfrm>
+      </p:grpSpPr>
+      <p:sp>
+        <p:nvSpPr>
+          <p:cNvPr id="2" name="Slide Image Placeholder 1"/>
+          <p:cNvSpPr>
+            <a:spLocks noGrp="1" noRot="1" noChangeAspect="1"/>
+          </p:cNvSpPr>
+          <p:nvPr>
+            <p:ph type="sldImg"/>
+          </p:nvPr>
+        </p:nvSpPr>
+        <p:spPr/>
+      </p:sp>
+      <p:sp>
+        <p:nvSpPr>
+          <p:cNvPr id="3" name="Notes Placeholder 2"/>
+          <p:cNvSpPr>
+            <a:spLocks noGrp="1"/>
+          </p:cNvSpPr>
+          <p:nvPr>
+            <p:ph type="body" idx="1"/>
+          </p:nvPr>
+        </p:nvSpPr>
+        <p:spPr/>
+        <p:txBody>
+          <a:bodyPr/>
+          <a:lstStyle/>
+          <a:p>
+            <a:r>
+              <a:rPr lang="en-US" dirty="0" smtClean="0"/>
+              <a:t>Do</a:t>
+            </a:r>
+            <a:r>
+              <a:rPr lang="en-US" baseline="0" dirty="0" smtClean="0"/>
+              <a:t> you know who is HAL 9000?</a:t>
+            </a:r>
+            <a:endParaRPr lang="en-MY" dirty="0"/>
+          </a:p>
+        </p:txBody>
+      </p:sp>
+      <p:sp>
+        <p:nvSpPr>
+          <p:cNvPr id="4" name="Slide Number Placeholder 3"/>
+          <p:cNvSpPr>
+            <a:spLocks noGrp="1"/>
+          </p:cNvSpPr>
+          <p:nvPr>
+            <p:ph type="sldNum" sz="quarter" idx="10"/>
+          </p:nvPr>
+        </p:nvSpPr>
+        <p:spPr/>
+        <p:txBody>
+          <a:bodyPr/>
+          <a:lstStyle/>
+          <a:p>
+            <a:fld id="{D887D295-F987-46C7-BDE2-10E7279C044E}" type="slidenum">
+              <a:rPr lang="en-MY" smtClean="0"/>
+              <a:t>2</a:t>
+            </a:fld>
+            <a:endParaRPr lang="en-MY"/>
+          </a:p>
+        </p:txBody>
+      </p:sp>
+    </p:spTree>
+    <p:extLst>
+      <p:ext uri="{BB962C8B-B14F-4D97-AF65-F5344CB8AC3E}">
+        <p14:creationId xmlns:p14="http://schemas.microsoft.com/office/powerpoint/2010/main" val="2656816638"/>
+      </p:ext>
+    </p:extLst>
+  </p:cSld>
+  <p:clrMapOvr>
+    <a:masterClrMapping/>
+  </p:clrMapOvr>
+</p:notes>
+</file>
+
+<file path=ppt/notesSlides/notesSlide2.xml><?xml version="1.0" encoding="utf-8"?>
+<p:notes xmlns:a="http://schemas.openxmlformats.org/drawingml/2006/main" xmlns:r="http://schemas.openxmlformats.org/officeDocument/2006/relationships" xmlns:p="http://schemas.openxmlformats.org/presentationml/2006/main">
+  <p:cSld>
+    <p:spTree>
+      <p:nvGrpSpPr>
+        <p:cNvPr id="1" name=""/>
+        <p:cNvGrpSpPr/>
+        <p:nvPr/>
+      </p:nvGrpSpPr>
+      <p:grpSpPr>
+        <a:xfrm>
+          <a:off x="0" y="0"/>
+          <a:ext cx="0" cy="0"/>
+          <a:chOff x="0" y="0"/>
+          <a:chExt cx="0" cy="0"/>
+        </a:xfrm>
+      </p:grpSpPr>
+      <p:sp>
+        <p:nvSpPr>
+          <p:cNvPr id="2" name="Slide Image Placeholder 1"/>
+          <p:cNvSpPr>
+            <a:spLocks noGrp="1" noRot="1" noChangeAspect="1"/>
+          </p:cNvSpPr>
+          <p:nvPr>
+            <p:ph type="sldImg"/>
+          </p:nvPr>
+        </p:nvSpPr>
+        <p:spPr/>
+      </p:sp>
+      <p:sp>
+        <p:nvSpPr>
+          <p:cNvPr id="3" name="Notes Placeholder 2"/>
+          <p:cNvSpPr>
+            <a:spLocks noGrp="1"/>
+          </p:cNvSpPr>
+          <p:nvPr>
+            <p:ph type="body" idx="1"/>
+          </p:nvPr>
+        </p:nvSpPr>
+        <p:spPr/>
+        <p:txBody>
+          <a:bodyPr/>
+          <a:lstStyle/>
+          <a:p>
+            <a:r>
+              <a:rPr lang="en-US" dirty="0" smtClean="0"/>
+              <a:t>because we</a:t>
+            </a:r>
+            <a:r>
+              <a:rPr lang="en-US" baseline="0" dirty="0" smtClean="0"/>
+              <a:t> need to install special driver for GPU</a:t>
+            </a:r>
+            <a:endParaRPr lang="en-MY" dirty="0"/>
+          </a:p>
+        </p:txBody>
+      </p:sp>
+      <p:sp>
+        <p:nvSpPr>
+          <p:cNvPr id="4" name="Slide Number Placeholder 3"/>
+          <p:cNvSpPr>
+            <a:spLocks noGrp="1"/>
+          </p:cNvSpPr>
+          <p:nvPr>
+            <p:ph type="sldNum" sz="quarter" idx="10"/>
+          </p:nvPr>
+        </p:nvSpPr>
+        <p:spPr/>
+        <p:txBody>
+          <a:bodyPr/>
+          <a:lstStyle/>
+          <a:p>
+            <a:fld id="{D887D295-F987-46C7-BDE2-10E7279C044E}" type="slidenum">
+              <a:rPr lang="en-MY" smtClean="0"/>
+              <a:t>7</a:t>
+            </a:fld>
+            <a:endParaRPr lang="en-MY"/>
+          </a:p>
+        </p:txBody>
+      </p:sp>
+    </p:spTree>
+    <p:extLst>
+      <p:ext uri="{BB962C8B-B14F-4D97-AF65-F5344CB8AC3E}">
+        <p14:creationId xmlns:p14="http://schemas.microsoft.com/office/powerpoint/2010/main" val="1447586113"/>
+      </p:ext>
+    </p:extLst>
+  </p:cSld>
+  <p:clrMapOvr>
+    <a:masterClrMapping/>
+  </p:clrMapOvr>
+</p:notes>
+</file>
+
+<file path=ppt/notesSlides/notesSlide3.xml><?xml version="1.0" encoding="utf-8"?>
+<p:notes xmlns:a="http://schemas.openxmlformats.org/drawingml/2006/main" xmlns:r="http://schemas.openxmlformats.org/officeDocument/2006/relationships" xmlns:p="http://schemas.openxmlformats.org/presentationml/2006/main">
+  <p:cSld>
+    <p:spTree>
+      <p:nvGrpSpPr>
+        <p:cNvPr id="1" name=""/>
+        <p:cNvGrpSpPr/>
+        <p:nvPr/>
+      </p:nvGrpSpPr>
+      <p:grpSpPr>
+        <a:xfrm>
+          <a:off x="0" y="0"/>
+          <a:ext cx="0" cy="0"/>
+          <a:chOff x="0" y="0"/>
+          <a:chExt cx="0" cy="0"/>
+        </a:xfrm>
+      </p:grpSpPr>
+      <p:sp>
+        <p:nvSpPr>
+          <p:cNvPr id="2" name="Slide Image Placeholder 1"/>
+          <p:cNvSpPr>
+            <a:spLocks noGrp="1" noRot="1" noChangeAspect="1"/>
+          </p:cNvSpPr>
+          <p:nvPr>
+            <p:ph type="sldImg"/>
+          </p:nvPr>
+        </p:nvSpPr>
+        <p:spPr/>
+      </p:sp>
+      <p:sp>
+        <p:nvSpPr>
+          <p:cNvPr id="3" name="Notes Placeholder 2"/>
+          <p:cNvSpPr>
+            <a:spLocks noGrp="1"/>
+          </p:cNvSpPr>
+          <p:nvPr>
+            <p:ph type="body" idx="1"/>
+          </p:nvPr>
+        </p:nvSpPr>
+        <p:spPr/>
+        <p:txBody>
+          <a:bodyPr/>
+          <a:lstStyle/>
+          <a:p>
+            <a:endParaRPr lang="en-MY"/>
+          </a:p>
+        </p:txBody>
+      </p:sp>
+      <p:sp>
+        <p:nvSpPr>
+          <p:cNvPr id="4" name="Slide Number Placeholder 3"/>
+          <p:cNvSpPr>
+            <a:spLocks noGrp="1"/>
+          </p:cNvSpPr>
+          <p:nvPr>
+            <p:ph type="sldNum" sz="quarter" idx="10"/>
+          </p:nvPr>
+        </p:nvSpPr>
+        <p:spPr/>
+        <p:txBody>
+          <a:bodyPr/>
+          <a:lstStyle/>
+          <a:p>
+            <a:fld id="{D887D295-F987-46C7-BDE2-10E7279C044E}" type="slidenum">
+              <a:rPr lang="en-MY" smtClean="0"/>
+              <a:t>8</a:t>
+            </a:fld>
+            <a:endParaRPr lang="en-MY"/>
+          </a:p>
+        </p:txBody>
+      </p:sp>
+    </p:spTree>
+    <p:extLst>
+      <p:ext uri="{BB962C8B-B14F-4D97-AF65-F5344CB8AC3E}">
+        <p14:creationId xmlns:p14="http://schemas.microsoft.com/office/powerpoint/2010/main" val="570025465"/>
+      </p:ext>
+    </p:extLst>
+  </p:cSld>
+  <p:clrMapOvr>
+    <a:masterClrMapping/>
+  </p:clrMapOvr>
+</p:notes>
+</file>
+
 <file path=ppt/slideLayouts/slideLayout1.xml><?xml version="1.0" encoding="utf-8"?>
 <p:sldLayout xmlns:a="http://schemas.openxmlformats.org/drawingml/2006/main" xmlns:r="http://schemas.openxmlformats.org/officeDocument/2006/relationships" xmlns:p="http://schemas.openxmlformats.org/presentationml/2006/main" type="title" preserve="1">
   <p:cSld name="Title Slide">
@@ -294,7 +917,7 @@
             <a:fld id="{1D8BD707-D9CF-40AE-B4C6-C98DA3205C09}" type="datetimeFigureOut">
               <a:rPr lang="en-US" smtClean="0"/>
               <a:pPr/>
-              <a:t>8/30/2019</a:t>
+              <a:t>9/5/2019</a:t>
             </a:fld>
             <a:endParaRPr lang="en-US"/>
           </a:p>
@@ -461,7 +1084,7 @@
             <a:fld id="{1D8BD707-D9CF-40AE-B4C6-C98DA3205C09}" type="datetimeFigureOut">
               <a:rPr lang="en-US" smtClean="0"/>
               <a:pPr/>
-              <a:t>8/30/2019</a:t>
+              <a:t>9/5/2019</a:t>
             </a:fld>
             <a:endParaRPr lang="en-US"/>
           </a:p>
@@ -638,7 +1261,7 @@
             <a:fld id="{1D8BD707-D9CF-40AE-B4C6-C98DA3205C09}" type="datetimeFigureOut">
               <a:rPr lang="en-US" smtClean="0"/>
               <a:pPr/>
-              <a:t>8/30/2019</a:t>
+              <a:t>9/5/2019</a:t>
             </a:fld>
             <a:endParaRPr lang="en-US"/>
           </a:p>
@@ -805,7 +1428,7 @@
             <a:fld id="{1D8BD707-D9CF-40AE-B4C6-C98DA3205C09}" type="datetimeFigureOut">
               <a:rPr lang="en-US" smtClean="0"/>
               <a:pPr/>
-              <a:t>8/30/2019</a:t>
+              <a:t>9/5/2019</a:t>
             </a:fld>
             <a:endParaRPr lang="en-US"/>
           </a:p>
@@ -1048,7 +1671,7 @@
             <a:fld id="{1D8BD707-D9CF-40AE-B4C6-C98DA3205C09}" type="datetimeFigureOut">
               <a:rPr lang="en-US" smtClean="0"/>
               <a:pPr/>
-              <a:t>8/30/2019</a:t>
+              <a:t>9/5/2019</a:t>
             </a:fld>
             <a:endParaRPr lang="en-US"/>
           </a:p>
@@ -1333,7 +1956,7 @@
             <a:fld id="{1D8BD707-D9CF-40AE-B4C6-C98DA3205C09}" type="datetimeFigureOut">
               <a:rPr lang="en-US" smtClean="0"/>
               <a:pPr/>
-              <a:t>8/30/2019</a:t>
+              <a:t>9/5/2019</a:t>
             </a:fld>
             <a:endParaRPr lang="en-US"/>
           </a:p>
@@ -1752,7 +2375,7 @@
             <a:fld id="{1D8BD707-D9CF-40AE-B4C6-C98DA3205C09}" type="datetimeFigureOut">
               <a:rPr lang="en-US" smtClean="0"/>
               <a:pPr/>
-              <a:t>8/30/2019</a:t>
+              <a:t>9/5/2019</a:t>
             </a:fld>
             <a:endParaRPr lang="en-US"/>
           </a:p>
@@ -1867,7 +2490,7 @@
             <a:fld id="{1D8BD707-D9CF-40AE-B4C6-C98DA3205C09}" type="datetimeFigureOut">
               <a:rPr lang="en-US" smtClean="0"/>
               <a:pPr/>
-              <a:t>8/30/2019</a:t>
+              <a:t>9/5/2019</a:t>
             </a:fld>
             <a:endParaRPr lang="en-US"/>
           </a:p>
@@ -1959,7 +2582,7 @@
             <a:fld id="{1D8BD707-D9CF-40AE-B4C6-C98DA3205C09}" type="datetimeFigureOut">
               <a:rPr lang="en-US" smtClean="0"/>
               <a:pPr/>
-              <a:t>8/30/2019</a:t>
+              <a:t>9/5/2019</a:t>
             </a:fld>
             <a:endParaRPr lang="en-US"/>
           </a:p>
@@ -2233,7 +2856,7 @@
             <a:fld id="{1D8BD707-D9CF-40AE-B4C6-C98DA3205C09}" type="datetimeFigureOut">
               <a:rPr lang="en-US" smtClean="0"/>
               <a:pPr/>
-              <a:t>8/30/2019</a:t>
+              <a:t>9/5/2019</a:t>
             </a:fld>
             <a:endParaRPr lang="en-US"/>
           </a:p>
@@ -2483,7 +3106,7 @@
             <a:fld id="{1D8BD707-D9CF-40AE-B4C6-C98DA3205C09}" type="datetimeFigureOut">
               <a:rPr lang="en-US" smtClean="0"/>
               <a:pPr/>
-              <a:t>8/30/2019</a:t>
+              <a:t>9/5/2019</a:t>
             </a:fld>
             <a:endParaRPr lang="en-US"/>
           </a:p>
@@ -2693,7 +3316,7 @@
             <a:fld id="{1D8BD707-D9CF-40AE-B4C6-C98DA3205C09}" type="datetimeFigureOut">
               <a:rPr lang="en-US" smtClean="0"/>
               <a:pPr/>
-              <a:t>8/30/2019</a:t>
+              <a:t>9/5/2019</a:t>
             </a:fld>
             <a:endParaRPr lang="en-US"/>
           </a:p>
@@ -3089,7 +3712,7 @@
       </p:sp>
       <p:sp>
         <p:nvSpPr>
-          <p:cNvPr id="3" name="Subtitle 2"/>
+          <p:cNvPr id="5" name="Subtitle 4"/>
           <p:cNvSpPr>
             <a:spLocks noGrp="1"/>
           </p:cNvSpPr>
@@ -3116,6 +3739,13 @@
   <p:clrMapOvr>
     <a:masterClrMapping/>
   </p:clrMapOvr>
+  <p:timing>
+    <p:tnLst>
+      <p:par>
+        <p:cTn id="1" dur="indefinite" restart="never" nodeType="tmRoot"/>
+      </p:par>
+    </p:tnLst>
+  </p:timing>
 </p:sld>
 </file>
 
@@ -3153,7 +3783,7 @@
           <a:p>
             <a:r>
               <a:rPr lang="en-US" dirty="0" smtClean="0"/>
-              <a:t>Install Python</a:t>
+              <a:t>Connect to WIFI</a:t>
             </a:r>
             <a:endParaRPr lang="en-MY" dirty="0"/>
           </a:p>
@@ -3166,110 +3796,171 @@
             <a:spLocks noGrp="1"/>
           </p:cNvSpPr>
           <p:nvPr>
-            <p:ph sz="half" idx="1"/>
-          </p:nvPr>
-        </p:nvSpPr>
-        <p:spPr/>
-        <p:txBody>
-          <a:bodyPr/>
-          <a:lstStyle/>
-          <a:p>
-            <a:pPr marL="514350" indent="-514350">
-              <a:buFont typeface="+mj-lt"/>
-              <a:buAutoNum type="arabicPeriod"/>
-            </a:pPr>
-            <a:r>
-              <a:rPr lang="en-US" sz="2000" dirty="0" err="1" smtClean="0"/>
-              <a:t>Dowload</a:t>
-            </a:r>
-            <a:r>
-              <a:rPr lang="en-US" sz="2000" dirty="0" smtClean="0"/>
-              <a:t> Python 3.6.8 from </a:t>
-            </a:r>
-            <a:r>
-              <a:rPr lang="en-MY" sz="2000" dirty="0">
+            <p:ph idx="1"/>
+          </p:nvPr>
+        </p:nvSpPr>
+        <p:spPr/>
+        <p:txBody>
+          <a:bodyPr/>
+          <a:lstStyle/>
+          <a:p>
+            <a:r>
+              <a:rPr lang="en-US" dirty="0" smtClean="0"/>
+              <a:t>HAL 9000</a:t>
+            </a:r>
+          </a:p>
+          <a:p>
+            <a:r>
+              <a:rPr lang="en-US" dirty="0" smtClean="0"/>
+              <a:t>password: </a:t>
+            </a:r>
+            <a:r>
+              <a:rPr lang="en-US" dirty="0" err="1" smtClean="0"/>
+              <a:t>imsorrydave</a:t>
+            </a:r>
+            <a:endParaRPr lang="en-MY" dirty="0"/>
+          </a:p>
+        </p:txBody>
+      </p:sp>
+      <p:pic>
+        <p:nvPicPr>
+          <p:cNvPr id="4" name="Picture 3"/>
+          <p:cNvPicPr>
+            <a:picLocks noChangeAspect="1"/>
+          </p:cNvPicPr>
+          <p:nvPr/>
+        </p:nvPicPr>
+        <p:blipFill>
+          <a:blip r:embed="rId3">
+            <a:extLst>
+              <a:ext uri="{28A0092B-C50C-407E-A947-70E740481C1C}">
+                <a14:useLocalDpi xmlns:a14="http://schemas.microsoft.com/office/drawing/2010/main" val="0"/>
+              </a:ext>
+            </a:extLst>
+          </a:blip>
+          <a:stretch>
+            <a:fillRect/>
+          </a:stretch>
+        </p:blipFill>
+        <p:spPr>
+          <a:xfrm>
+            <a:off x="4876800" y="2819400"/>
+            <a:ext cx="3924300" cy="3924300"/>
+          </a:xfrm>
+          <a:prstGeom prst="rect">
+            <a:avLst/>
+          </a:prstGeom>
+        </p:spPr>
+      </p:pic>
+    </p:spTree>
+    <p:extLst>
+      <p:ext uri="{BB962C8B-B14F-4D97-AF65-F5344CB8AC3E}">
+        <p14:creationId xmlns:p14="http://schemas.microsoft.com/office/powerpoint/2010/main" val="3015423986"/>
+      </p:ext>
+    </p:extLst>
+  </p:cSld>
+  <p:clrMapOvr>
+    <a:masterClrMapping/>
+  </p:clrMapOvr>
+  <p:timing>
+    <p:tnLst>
+      <p:par>
+        <p:cTn id="1" dur="indefinite" restart="never" nodeType="tmRoot"/>
+      </p:par>
+    </p:tnLst>
+  </p:timing>
+</p:sld>
+</file>
+
+<file path=ppt/slides/slide3.xml><?xml version="1.0" encoding="utf-8"?>
+<p:sld xmlns:a="http://schemas.openxmlformats.org/drawingml/2006/main" xmlns:r="http://schemas.openxmlformats.org/officeDocument/2006/relationships" xmlns:p="http://schemas.openxmlformats.org/presentationml/2006/main">
+  <p:cSld>
+    <p:spTree>
+      <p:nvGrpSpPr>
+        <p:cNvPr id="1" name=""/>
+        <p:cNvGrpSpPr/>
+        <p:nvPr/>
+      </p:nvGrpSpPr>
+      <p:grpSpPr>
+        <a:xfrm>
+          <a:off x="0" y="0"/>
+          <a:ext cx="0" cy="0"/>
+          <a:chOff x="0" y="0"/>
+          <a:chExt cx="0" cy="0"/>
+        </a:xfrm>
+      </p:grpSpPr>
+      <p:sp>
+        <p:nvSpPr>
+          <p:cNvPr id="2" name="Title 1"/>
+          <p:cNvSpPr>
+            <a:spLocks noGrp="1"/>
+          </p:cNvSpPr>
+          <p:nvPr>
+            <p:ph type="title"/>
+          </p:nvPr>
+        </p:nvSpPr>
+        <p:spPr/>
+        <p:txBody>
+          <a:bodyPr>
+            <a:normAutofit fontScale="90000"/>
+          </a:bodyPr>
+          <a:lstStyle/>
+          <a:p>
+            <a:r>
+              <a:rPr lang="en-US" dirty="0" smtClean="0"/>
+              <a:t>Cloning/ Downloading Slide from </a:t>
+            </a:r>
+            <a:r>
+              <a:rPr lang="en-US" dirty="0" err="1" smtClean="0"/>
+              <a:t>GitHub</a:t>
+            </a:r>
+            <a:endParaRPr lang="en-MY" dirty="0"/>
+          </a:p>
+        </p:txBody>
+      </p:sp>
+      <p:sp>
+        <p:nvSpPr>
+          <p:cNvPr id="3" name="Content Placeholder 2"/>
+          <p:cNvSpPr>
+            <a:spLocks noGrp="1"/>
+          </p:cNvSpPr>
+          <p:nvPr>
+            <p:ph idx="1"/>
+          </p:nvPr>
+        </p:nvSpPr>
+        <p:spPr/>
+        <p:txBody>
+          <a:bodyPr/>
+          <a:lstStyle/>
+          <a:p>
+            <a:r>
+              <a:rPr lang="en-US" dirty="0" err="1" smtClean="0"/>
+              <a:t>git</a:t>
+            </a:r>
+            <a:r>
+              <a:rPr lang="en-US" dirty="0"/>
+              <a:t> clone </a:t>
+            </a:r>
+            <a:r>
+              <a:rPr lang="en-US" dirty="0">
                 <a:hlinkClick r:id="rId2"/>
               </a:rPr>
-              <a:t>https://www.python.org/downloads/windows</a:t>
-            </a:r>
-            <a:r>
-              <a:rPr lang="en-MY" sz="2000" dirty="0" smtClean="0">
+              <a:t>https://</a:t>
+            </a:r>
+            <a:r>
+              <a:rPr lang="en-US" dirty="0" smtClean="0">
                 <a:hlinkClick r:id="rId2"/>
               </a:rPr>
-              <a:t>/</a:t>
-            </a:r>
-            <a:endParaRPr lang="en-MY" sz="2000" dirty="0" smtClean="0"/>
-          </a:p>
-          <a:p>
-            <a:pPr marL="514350" indent="-514350">
-              <a:buFont typeface="+mj-lt"/>
-              <a:buAutoNum type="arabicPeriod"/>
-            </a:pPr>
-            <a:endParaRPr lang="en-US" sz="2000" dirty="0" smtClean="0"/>
-          </a:p>
-          <a:p>
-            <a:pPr marL="514350" indent="-514350">
-              <a:buFont typeface="+mj-lt"/>
-              <a:buAutoNum type="arabicPeriod"/>
-            </a:pPr>
-            <a:endParaRPr lang="en-US" sz="2000" dirty="0"/>
-          </a:p>
-          <a:p>
-            <a:pPr marL="514350" indent="-514350">
-              <a:buFont typeface="+mj-lt"/>
-              <a:buAutoNum type="arabicPeriod"/>
-            </a:pPr>
-            <a:endParaRPr lang="en-US" sz="2000" dirty="0" smtClean="0"/>
-          </a:p>
-          <a:p>
-            <a:pPr marL="514350" indent="-514350">
-              <a:buFont typeface="+mj-lt"/>
-              <a:buAutoNum type="arabicPeriod"/>
-            </a:pPr>
-            <a:endParaRPr lang="en-US" sz="2000" dirty="0"/>
-          </a:p>
-          <a:p>
-            <a:pPr marL="514350" indent="-514350">
-              <a:buFont typeface="+mj-lt"/>
-              <a:buAutoNum type="arabicPeriod"/>
-            </a:pPr>
-            <a:endParaRPr lang="en-MY" sz="2000" dirty="0" smtClean="0"/>
-          </a:p>
-          <a:p>
-            <a:pPr marL="514350" indent="-514350">
-              <a:buFont typeface="+mj-lt"/>
-              <a:buAutoNum type="arabicPeriod"/>
-            </a:pPr>
-            <a:r>
-              <a:rPr lang="en-US" sz="2000" dirty="0" smtClean="0"/>
-              <a:t>Remember to check “Add Python 3.6.8 to PATH”</a:t>
-            </a:r>
-            <a:endParaRPr lang="en-MY" sz="2000" dirty="0" smtClean="0"/>
-          </a:p>
-          <a:p>
-            <a:pPr marL="0" indent="0">
-              <a:buNone/>
-            </a:pPr>
+              <a:t>github.com/skyap/Intro-AI-Robotics.git</a:t>
+            </a:r>
+            <a:endParaRPr lang="en-US" dirty="0" smtClean="0"/>
+          </a:p>
+          <a:p>
+            <a:r>
+              <a:rPr lang="en-US" dirty="0" smtClean="0"/>
+              <a:t>or </a:t>
+            </a:r>
             <a:endParaRPr lang="en-MY" dirty="0"/>
-          </a:p>
-        </p:txBody>
-      </p:sp>
-      <p:sp>
-        <p:nvSpPr>
-          <p:cNvPr id="5" name="Content Placeholder 4"/>
-          <p:cNvSpPr>
-            <a:spLocks noGrp="1"/>
-          </p:cNvSpPr>
-          <p:nvPr>
-            <p:ph sz="half" idx="2"/>
-          </p:nvPr>
-        </p:nvSpPr>
-        <p:spPr/>
-        <p:txBody>
-          <a:bodyPr/>
-          <a:lstStyle/>
-          <a:p>
-            <a:endParaRPr lang="en-MY"/>
           </a:p>
         </p:txBody>
       </p:sp>
@@ -3296,7 +3987,218 @@
         </p:blipFill>
         <p:spPr bwMode="auto">
           <a:xfrm>
-            <a:off x="4143067" y="4045859"/>
+            <a:off x="1371600" y="3505200"/>
+            <a:ext cx="6890909" cy="3352800"/>
+          </a:xfrm>
+          <a:prstGeom prst="rect">
+            <a:avLst/>
+          </a:prstGeom>
+          <a:noFill/>
+          <a:ln>
+            <a:noFill/>
+          </a:ln>
+          <a:extLst>
+            <a:ext uri="{909E8E84-426E-40DD-AFC4-6F175D3DCCD1}">
+              <a14:hiddenFill xmlns:a14="http://schemas.microsoft.com/office/drawing/2010/main">
+                <a:solidFill>
+                  <a:schemeClr val="accent1"/>
+                </a:solidFill>
+              </a14:hiddenFill>
+            </a:ext>
+            <a:ext uri="{91240B29-F687-4F45-9708-019B960494DF}">
+              <a14:hiddenLine xmlns:a14="http://schemas.microsoft.com/office/drawing/2010/main" w="9525">
+                <a:solidFill>
+                  <a:schemeClr val="tx1"/>
+                </a:solidFill>
+                <a:miter lim="800000"/>
+                <a:headEnd/>
+                <a:tailEnd/>
+              </a14:hiddenLine>
+            </a:ext>
+          </a:extLst>
+        </p:spPr>
+      </p:pic>
+    </p:spTree>
+    <p:extLst>
+      <p:ext uri="{BB962C8B-B14F-4D97-AF65-F5344CB8AC3E}">
+        <p14:creationId xmlns:p14="http://schemas.microsoft.com/office/powerpoint/2010/main" val="1630016367"/>
+      </p:ext>
+    </p:extLst>
+  </p:cSld>
+  <p:clrMapOvr>
+    <a:masterClrMapping/>
+  </p:clrMapOvr>
+  <p:timing>
+    <p:tnLst>
+      <p:par>
+        <p:cTn id="1" dur="indefinite" restart="never" nodeType="tmRoot"/>
+      </p:par>
+    </p:tnLst>
+  </p:timing>
+</p:sld>
+</file>
+
+<file path=ppt/slides/slide4.xml><?xml version="1.0" encoding="utf-8"?>
+<p:sld xmlns:a="http://schemas.openxmlformats.org/drawingml/2006/main" xmlns:r="http://schemas.openxmlformats.org/officeDocument/2006/relationships" xmlns:p="http://schemas.openxmlformats.org/presentationml/2006/main">
+  <p:cSld>
+    <p:spTree>
+      <p:nvGrpSpPr>
+        <p:cNvPr id="1" name=""/>
+        <p:cNvGrpSpPr/>
+        <p:nvPr/>
+      </p:nvGrpSpPr>
+      <p:grpSpPr>
+        <a:xfrm>
+          <a:off x="0" y="0"/>
+          <a:ext cx="0" cy="0"/>
+          <a:chOff x="0" y="0"/>
+          <a:chExt cx="0" cy="0"/>
+        </a:xfrm>
+      </p:grpSpPr>
+      <p:sp>
+        <p:nvSpPr>
+          <p:cNvPr id="2" name="Title 1"/>
+          <p:cNvSpPr>
+            <a:spLocks noGrp="1"/>
+          </p:cNvSpPr>
+          <p:nvPr>
+            <p:ph type="title"/>
+          </p:nvPr>
+        </p:nvSpPr>
+        <p:spPr/>
+        <p:txBody>
+          <a:bodyPr/>
+          <a:lstStyle/>
+          <a:p>
+            <a:r>
+              <a:rPr lang="en-US" dirty="0" smtClean="0"/>
+              <a:t>Install Python</a:t>
+            </a:r>
+            <a:endParaRPr lang="en-MY" dirty="0"/>
+          </a:p>
+        </p:txBody>
+      </p:sp>
+      <p:sp>
+        <p:nvSpPr>
+          <p:cNvPr id="3" name="Content Placeholder 2"/>
+          <p:cNvSpPr>
+            <a:spLocks noGrp="1"/>
+          </p:cNvSpPr>
+          <p:nvPr>
+            <p:ph sz="half" idx="1"/>
+          </p:nvPr>
+        </p:nvSpPr>
+        <p:spPr/>
+        <p:txBody>
+          <a:bodyPr/>
+          <a:lstStyle/>
+          <a:p>
+            <a:pPr marL="457200" indent="-457200">
+              <a:buFont typeface="+mj-lt"/>
+              <a:buAutoNum type="arabicPeriod"/>
+            </a:pPr>
+            <a:r>
+              <a:rPr lang="en-US" sz="2000" dirty="0" err="1" smtClean="0"/>
+              <a:t>Dowload</a:t>
+            </a:r>
+            <a:r>
+              <a:rPr lang="en-US" sz="2000" dirty="0" smtClean="0"/>
+              <a:t> Python 3.6.8 from </a:t>
+            </a:r>
+            <a:r>
+              <a:rPr lang="en-MY" sz="2000" dirty="0">
+                <a:hlinkClick r:id="rId2"/>
+              </a:rPr>
+              <a:t>https://www.python.org/downloads/windows</a:t>
+            </a:r>
+            <a:r>
+              <a:rPr lang="en-MY" sz="2000" dirty="0" smtClean="0">
+                <a:hlinkClick r:id="rId2"/>
+              </a:rPr>
+              <a:t>/</a:t>
+            </a:r>
+            <a:r>
+              <a:rPr lang="en-MY" sz="2000" dirty="0"/>
+              <a:t> </a:t>
+            </a:r>
+            <a:r>
+              <a:rPr lang="en-MY" sz="2000" dirty="0" smtClean="0"/>
+              <a:t>or use the installer in  </a:t>
+            </a:r>
+            <a:r>
+              <a:rPr lang="en-US" sz="2000" b="1" i="1" u="sng" dirty="0" smtClean="0"/>
+              <a:t>Intro-AI-Robotics/python/</a:t>
+            </a:r>
+          </a:p>
+          <a:p>
+            <a:pPr marL="457200" indent="-457200">
+              <a:buFont typeface="+mj-lt"/>
+              <a:buAutoNum type="arabicPeriod" startAt="2"/>
+            </a:pPr>
+            <a:endParaRPr lang="en-US" sz="2000" dirty="0" smtClean="0"/>
+          </a:p>
+          <a:p>
+            <a:pPr marL="457200" indent="-457200">
+              <a:buFont typeface="+mj-lt"/>
+              <a:buAutoNum type="arabicPeriod" startAt="2"/>
+            </a:pPr>
+            <a:r>
+              <a:rPr lang="en-US" sz="2000" dirty="0" smtClean="0"/>
+              <a:t>Remember to check “Add Python 3.6.8 to PATH”</a:t>
+            </a:r>
+            <a:endParaRPr lang="en-MY" sz="2000" dirty="0" smtClean="0"/>
+          </a:p>
+          <a:p>
+            <a:pPr marL="0" indent="0">
+              <a:buNone/>
+            </a:pPr>
+            <a:endParaRPr lang="en-MY" dirty="0"/>
+          </a:p>
+        </p:txBody>
+      </p:sp>
+      <p:sp>
+        <p:nvSpPr>
+          <p:cNvPr id="5" name="Content Placeholder 4"/>
+          <p:cNvSpPr>
+            <a:spLocks noGrp="1"/>
+          </p:cNvSpPr>
+          <p:nvPr>
+            <p:ph sz="half" idx="2"/>
+          </p:nvPr>
+        </p:nvSpPr>
+        <p:spPr/>
+        <p:txBody>
+          <a:bodyPr/>
+          <a:lstStyle/>
+          <a:p>
+            <a:endParaRPr lang="en-MY"/>
+          </a:p>
+        </p:txBody>
+      </p:sp>
+      <p:pic>
+        <p:nvPicPr>
+          <p:cNvPr id="1026" name="Picture 2"/>
+          <p:cNvPicPr>
+            <a:picLocks noChangeAspect="1" noChangeArrowheads="1"/>
+          </p:cNvPicPr>
+          <p:nvPr/>
+        </p:nvPicPr>
+        <p:blipFill>
+          <a:blip r:embed="rId3">
+            <a:extLst>
+              <a:ext uri="{28A0092B-C50C-407E-A947-70E740481C1C}">
+                <a14:useLocalDpi xmlns:a14="http://schemas.microsoft.com/office/drawing/2010/main" val="0"/>
+              </a:ext>
+            </a:extLst>
+          </a:blip>
+          <a:srcRect/>
+          <a:stretch>
+            <a:fillRect/>
+          </a:stretch>
+        </p:blipFill>
+        <p:spPr bwMode="auto">
+          <a:xfrm>
+            <a:off x="4648835" y="4045858"/>
             <a:ext cx="4495165" cy="2812141"/>
           </a:xfrm>
           <a:prstGeom prst="rect">
@@ -3350,7 +4252,7 @@
         </p:blipFill>
         <p:spPr bwMode="auto">
           <a:xfrm>
-            <a:off x="4441510" y="1632585"/>
+            <a:off x="4441510" y="1219200"/>
             <a:ext cx="4702490" cy="2025015"/>
           </a:xfrm>
           <a:prstGeom prst="rect">
@@ -3518,247 +4420,6 @@
 </p:sld>
 </file>
 
-<file path=ppt/slides/slide3.xml><?xml version="1.0" encoding="utf-8"?>
-<p:sld xmlns:a="http://schemas.openxmlformats.org/drawingml/2006/main" xmlns:r="http://schemas.openxmlformats.org/officeDocument/2006/relationships" xmlns:p="http://schemas.openxmlformats.org/presentationml/2006/main">
-  <p:cSld>
-    <p:spTree>
-      <p:nvGrpSpPr>
-        <p:cNvPr id="1" name=""/>
-        <p:cNvGrpSpPr/>
-        <p:nvPr/>
-      </p:nvGrpSpPr>
-      <p:grpSpPr>
-        <a:xfrm>
-          <a:off x="0" y="0"/>
-          <a:ext cx="0" cy="0"/>
-          <a:chOff x="0" y="0"/>
-          <a:chExt cx="0" cy="0"/>
-        </a:xfrm>
-      </p:grpSpPr>
-      <p:sp>
-        <p:nvSpPr>
-          <p:cNvPr id="2" name="Title 1"/>
-          <p:cNvSpPr>
-            <a:spLocks noGrp="1"/>
-          </p:cNvSpPr>
-          <p:nvPr>
-            <p:ph type="title"/>
-          </p:nvPr>
-        </p:nvSpPr>
-        <p:spPr/>
-        <p:txBody>
-          <a:bodyPr/>
-          <a:lstStyle/>
-          <a:p>
-            <a:r>
-              <a:rPr lang="en-US" dirty="0" smtClean="0"/>
-              <a:t>Install Alphabot</a:t>
-            </a:r>
-            <a:r>
-              <a:rPr lang="en-US" dirty="0"/>
-              <a:t>2</a:t>
-            </a:r>
-            <a:endParaRPr lang="en-MY" dirty="0"/>
-          </a:p>
-        </p:txBody>
-      </p:sp>
-      <p:sp>
-        <p:nvSpPr>
-          <p:cNvPr id="3" name="Content Placeholder 2"/>
-          <p:cNvSpPr>
-            <a:spLocks noGrp="1"/>
-          </p:cNvSpPr>
-          <p:nvPr>
-            <p:ph idx="1"/>
-          </p:nvPr>
-        </p:nvSpPr>
-        <p:spPr/>
-        <p:txBody>
-          <a:bodyPr/>
-          <a:lstStyle/>
-          <a:p>
-            <a:r>
-              <a:rPr lang="en-MY" dirty="0"/>
-              <a:t>pip install </a:t>
-            </a:r>
-            <a:r>
-              <a:rPr lang="en-MY" dirty="0" err="1"/>
-              <a:t>git+https</a:t>
-            </a:r>
-            <a:r>
-              <a:rPr lang="en-MY" dirty="0"/>
-              <a:t>://github.com/</a:t>
-            </a:r>
-            <a:r>
-              <a:rPr lang="en-MY" dirty="0" err="1"/>
-              <a:t>skyap</a:t>
-            </a:r>
-            <a:r>
-              <a:rPr lang="en-MY"/>
-              <a:t>/alphabot2.git</a:t>
-            </a:r>
-          </a:p>
-        </p:txBody>
-      </p:sp>
-    </p:spTree>
-    <p:extLst>
-      <p:ext uri="{BB962C8B-B14F-4D97-AF65-F5344CB8AC3E}">
-        <p14:creationId xmlns:p14="http://schemas.microsoft.com/office/powerpoint/2010/main" val="2040835466"/>
-      </p:ext>
-    </p:extLst>
-  </p:cSld>
-  <p:clrMapOvr>
-    <a:masterClrMapping/>
-  </p:clrMapOvr>
-  <p:timing>
-    <p:tnLst>
-      <p:par>
-        <p:cTn id="1" dur="indefinite" restart="never" nodeType="tmRoot"/>
-      </p:par>
-    </p:tnLst>
-  </p:timing>
-</p:sld>
-</file>
-
-<file path=ppt/slides/slide4.xml><?xml version="1.0" encoding="utf-8"?>
-<p:sld xmlns:a="http://schemas.openxmlformats.org/drawingml/2006/main" xmlns:r="http://schemas.openxmlformats.org/officeDocument/2006/relationships" xmlns:p="http://schemas.openxmlformats.org/presentationml/2006/main">
-  <p:cSld>
-    <p:spTree>
-      <p:nvGrpSpPr>
-        <p:cNvPr id="1" name=""/>
-        <p:cNvGrpSpPr/>
-        <p:nvPr/>
-      </p:nvGrpSpPr>
-      <p:grpSpPr>
-        <a:xfrm>
-          <a:off x="0" y="0"/>
-          <a:ext cx="0" cy="0"/>
-          <a:chOff x="0" y="0"/>
-          <a:chExt cx="0" cy="0"/>
-        </a:xfrm>
-      </p:grpSpPr>
-      <p:sp>
-        <p:nvSpPr>
-          <p:cNvPr id="2" name="Title 1"/>
-          <p:cNvSpPr>
-            <a:spLocks noGrp="1"/>
-          </p:cNvSpPr>
-          <p:nvPr>
-            <p:ph type="title"/>
-          </p:nvPr>
-        </p:nvSpPr>
-        <p:spPr/>
-        <p:txBody>
-          <a:bodyPr/>
-          <a:lstStyle/>
-          <a:p>
-            <a:r>
-              <a:rPr lang="en-US" dirty="0" smtClean="0"/>
-              <a:t>Install gym-</a:t>
-            </a:r>
-            <a:r>
-              <a:rPr lang="en-US" dirty="0" err="1" smtClean="0"/>
-              <a:t>Duckietown</a:t>
-            </a:r>
-            <a:endParaRPr lang="en-MY" dirty="0"/>
-          </a:p>
-        </p:txBody>
-      </p:sp>
-      <p:sp>
-        <p:nvSpPr>
-          <p:cNvPr id="3" name="Content Placeholder 2"/>
-          <p:cNvSpPr>
-            <a:spLocks noGrp="1"/>
-          </p:cNvSpPr>
-          <p:nvPr>
-            <p:ph idx="1"/>
-          </p:nvPr>
-        </p:nvSpPr>
-        <p:spPr/>
-        <p:txBody>
-          <a:bodyPr/>
-          <a:lstStyle/>
-          <a:p>
-            <a:r>
-              <a:rPr lang="en-US" sz="2400" dirty="0" err="1"/>
-              <a:t>git</a:t>
-            </a:r>
-            <a:r>
-              <a:rPr lang="en-US" sz="2400" dirty="0"/>
-              <a:t> clone </a:t>
-            </a:r>
-            <a:r>
-              <a:rPr lang="en-US" sz="2400" dirty="0" smtClean="0"/>
-              <a:t> https</a:t>
-            </a:r>
-            <a:r>
-              <a:rPr lang="en-US" sz="2400" dirty="0"/>
-              <a:t>://github.com/duckietown/gym-duckietown.git</a:t>
-            </a:r>
-          </a:p>
-          <a:p>
-            <a:r>
-              <a:rPr lang="en-US" dirty="0"/>
-              <a:t>cd gym-</a:t>
-            </a:r>
-            <a:r>
-              <a:rPr lang="en-US" dirty="0" err="1"/>
-              <a:t>duckietown</a:t>
-            </a:r>
-            <a:endParaRPr lang="en-US" dirty="0"/>
-          </a:p>
-          <a:p>
-            <a:r>
-              <a:rPr lang="en-US" dirty="0" smtClean="0"/>
-              <a:t>pip </a:t>
-            </a:r>
-            <a:r>
-              <a:rPr lang="en-US" dirty="0"/>
-              <a:t>install -e </a:t>
-            </a:r>
-            <a:r>
-              <a:rPr lang="en-US" dirty="0" smtClean="0"/>
-              <a:t>.</a:t>
-            </a:r>
-          </a:p>
-          <a:p>
-            <a:r>
-              <a:rPr lang="en-US" dirty="0" smtClean="0"/>
-              <a:t>pip install </a:t>
-            </a:r>
-            <a:r>
-              <a:rPr lang="en-US" dirty="0" err="1" smtClean="0"/>
-              <a:t>pyglet</a:t>
-            </a:r>
-            <a:r>
-              <a:rPr lang="en-US" dirty="0" smtClean="0"/>
-              <a:t>==1.3.2</a:t>
-            </a:r>
-          </a:p>
-          <a:p>
-            <a:r>
-              <a:rPr lang="en-US" dirty="0" smtClean="0"/>
-              <a:t>python manual_control.py</a:t>
-            </a:r>
-          </a:p>
-          <a:p>
-            <a:endParaRPr lang="en-US" dirty="0" smtClean="0"/>
-          </a:p>
-        </p:txBody>
-      </p:sp>
-    </p:spTree>
-    <p:extLst>
-      <p:ext uri="{BB962C8B-B14F-4D97-AF65-F5344CB8AC3E}">
-        <p14:creationId xmlns:p14="http://schemas.microsoft.com/office/powerpoint/2010/main" val="3799418200"/>
-      </p:ext>
-    </p:extLst>
-  </p:cSld>
-  <p:clrMapOvr>
-    <a:masterClrMapping/>
-  </p:clrMapOvr>
-</p:sld>
-</file>
-
 <file path=ppt/slides/slide5.xml><?xml version="1.0" encoding="utf-8"?>
 <p:sld xmlns:a="http://schemas.openxmlformats.org/drawingml/2006/main" xmlns:r="http://schemas.openxmlformats.org/officeDocument/2006/relationships" xmlns:p="http://schemas.openxmlformats.org/presentationml/2006/main">
   <p:cSld>
@@ -3778,7 +4439,7 @@
       </p:grpSpPr>
       <p:sp>
         <p:nvSpPr>
-          <p:cNvPr id="2" name="Title 1"/>
+          <p:cNvPr id="5" name="Title 4"/>
           <p:cNvSpPr>
             <a:spLocks noGrp="1"/>
           </p:cNvSpPr>
@@ -3788,16 +4449,14 @@
         </p:nvSpPr>
         <p:spPr/>
         <p:txBody>
-          <a:bodyPr/>
+          <a:bodyPr>
+            <a:normAutofit fontScale="90000"/>
+          </a:bodyPr>
           <a:lstStyle/>
           <a:p>
             <a:r>
               <a:rPr lang="en-US" dirty="0" smtClean="0"/>
-              <a:t>Install </a:t>
-            </a:r>
-            <a:r>
-              <a:rPr lang="en-US" dirty="0" err="1" smtClean="0"/>
-              <a:t>Tensorflow</a:t>
+              <a:t>Open administrator command prompt</a:t>
             </a:r>
             <a:endParaRPr lang="en-MY" dirty="0"/>
           </a:p>
@@ -3805,7 +4464,7 @@
       </p:sp>
       <p:sp>
         <p:nvSpPr>
-          <p:cNvPr id="3" name="Content Placeholder 2"/>
+          <p:cNvPr id="8" name="Content Placeholder 7"/>
           <p:cNvSpPr>
             <a:spLocks noGrp="1"/>
           </p:cNvSpPr>
@@ -3815,76 +4474,262 @@
         </p:nvSpPr>
         <p:spPr/>
         <p:txBody>
-          <a:bodyPr/>
-          <a:lstStyle/>
-          <a:p>
-            <a:r>
-              <a:rPr lang="en-US" dirty="0" smtClean="0"/>
-              <a:t>if you have </a:t>
-            </a:r>
-            <a:r>
-              <a:rPr lang="en-US" dirty="0" err="1" smtClean="0"/>
-              <a:t>Nvidia</a:t>
-            </a:r>
-            <a:r>
-              <a:rPr lang="en-US" dirty="0" smtClean="0"/>
-              <a:t>-GPU</a:t>
-            </a:r>
-          </a:p>
+          <a:bodyPr>
+            <a:normAutofit/>
+          </a:bodyPr>
+          <a:lstStyle/>
           <a:p>
             <a:pPr marL="0" indent="0">
               <a:buNone/>
             </a:pPr>
-            <a:r>
-              <a:rPr lang="en-US" dirty="0" smtClean="0"/>
-              <a:t>pip install </a:t>
-            </a:r>
-            <a:r>
-              <a:rPr lang="en-US" dirty="0" err="1" smtClean="0"/>
-              <a:t>tensorflow-gpu</a:t>
-            </a:r>
-            <a:endParaRPr lang="en-US" dirty="0" smtClean="0"/>
-          </a:p>
-          <a:p>
-            <a:r>
-              <a:rPr lang="en-US" dirty="0" smtClean="0"/>
-              <a:t>if you don’t have </a:t>
-            </a:r>
-            <a:r>
-              <a:rPr lang="en-US" dirty="0" err="1" smtClean="0"/>
-              <a:t>Nvidia</a:t>
-            </a:r>
-            <a:r>
-              <a:rPr lang="en-US" dirty="0" smtClean="0"/>
-              <a:t>-GPU</a:t>
-            </a:r>
-          </a:p>
+            <a:endParaRPr lang="en-MY" sz="1400" dirty="0"/>
+          </a:p>
+        </p:txBody>
+      </p:sp>
+      <p:pic>
+        <p:nvPicPr>
+          <p:cNvPr id="2050" name="Picture 2"/>
+          <p:cNvPicPr>
+            <a:picLocks noChangeAspect="1" noChangeArrowheads="1"/>
+          </p:cNvPicPr>
+          <p:nvPr/>
+        </p:nvPicPr>
+        <p:blipFill>
+          <a:blip r:embed="rId2">
+            <a:extLst>
+              <a:ext uri="{28A0092B-C50C-407E-A947-70E740481C1C}">
+                <a14:useLocalDpi xmlns:a14="http://schemas.microsoft.com/office/drawing/2010/main" val="0"/>
+              </a:ext>
+            </a:extLst>
+          </a:blip>
+          <a:srcRect/>
+          <a:stretch>
+            <a:fillRect/>
+          </a:stretch>
+        </p:blipFill>
+        <p:spPr bwMode="auto">
+          <a:xfrm>
+            <a:off x="2895600" y="1371600"/>
+            <a:ext cx="3142981" cy="4576763"/>
+          </a:xfrm>
+          <a:prstGeom prst="rect">
+            <a:avLst/>
+          </a:prstGeom>
+          <a:noFill/>
+          <a:ln>
+            <a:noFill/>
+          </a:ln>
+          <a:extLst>
+            <a:ext uri="{909E8E84-426E-40DD-AFC4-6F175D3DCCD1}">
+              <a14:hiddenFill xmlns:a14="http://schemas.microsoft.com/office/drawing/2010/main">
+                <a:solidFill>
+                  <a:schemeClr val="accent1"/>
+                </a:solidFill>
+              </a14:hiddenFill>
+            </a:ext>
+            <a:ext uri="{91240B29-F687-4F45-9708-019B960494DF}">
+              <a14:hiddenLine xmlns:a14="http://schemas.microsoft.com/office/drawing/2010/main" w="9525">
+                <a:solidFill>
+                  <a:schemeClr val="tx1"/>
+                </a:solidFill>
+                <a:miter lim="800000"/>
+                <a:headEnd/>
+                <a:tailEnd/>
+              </a14:hiddenLine>
+            </a:ext>
+          </a:extLst>
+        </p:spPr>
+      </p:pic>
+      <p:sp>
+        <p:nvSpPr>
+          <p:cNvPr id="15" name="Content Placeholder 7"/>
+          <p:cNvSpPr txBox="1">
+            <a:spLocks/>
+          </p:cNvSpPr>
+          <p:nvPr/>
+        </p:nvSpPr>
+        <p:spPr>
+          <a:xfrm>
+            <a:off x="457200" y="6324600"/>
+            <a:ext cx="8229600" cy="533400"/>
+          </a:xfrm>
+          <a:prstGeom prst="rect">
+            <a:avLst/>
+          </a:prstGeom>
+        </p:spPr>
+        <p:txBody>
+          <a:bodyPr>
+            <a:normAutofit/>
+          </a:bodyPr>
+          <a:lstStyle>
+            <a:lvl1pPr marL="342900" indent="-342900" algn="l" defTabSz="914400" rtl="0" eaLnBrk="1" latinLnBrk="0" hangingPunct="1">
+              <a:spcBef>
+                <a:spcPct val="20000"/>
+              </a:spcBef>
+              <a:buFont typeface="Arial" pitchFamily="34" charset="0"/>
+              <a:buChar char="•"/>
+              <a:defRPr sz="3200" kern="1200">
+                <a:solidFill>
+                  <a:schemeClr val="tx1"/>
+                </a:solidFill>
+                <a:latin typeface="+mn-lt"/>
+                <a:ea typeface="+mn-ea"/>
+                <a:cs typeface="+mn-cs"/>
+              </a:defRPr>
+            </a:lvl1pPr>
+            <a:lvl2pPr marL="742950" indent="-285750" algn="l" defTabSz="914400" rtl="0" eaLnBrk="1" latinLnBrk="0" hangingPunct="1">
+              <a:spcBef>
+                <a:spcPct val="20000"/>
+              </a:spcBef>
+              <a:buFont typeface="Arial" pitchFamily="34" charset="0"/>
+              <a:buChar char="–"/>
+              <a:defRPr sz="2800" kern="1200">
+                <a:solidFill>
+                  <a:schemeClr val="tx1"/>
+                </a:solidFill>
+                <a:latin typeface="+mn-lt"/>
+                <a:ea typeface="+mn-ea"/>
+                <a:cs typeface="+mn-cs"/>
+              </a:defRPr>
+            </a:lvl2pPr>
+            <a:lvl3pPr marL="1143000" indent="-228600" algn="l" defTabSz="914400" rtl="0" eaLnBrk="1" latinLnBrk="0" hangingPunct="1">
+              <a:spcBef>
+                <a:spcPct val="20000"/>
+              </a:spcBef>
+              <a:buFont typeface="Arial" pitchFamily="34" charset="0"/>
+              <a:buChar char="•"/>
+              <a:defRPr sz="2400" kern="1200">
+                <a:solidFill>
+                  <a:schemeClr val="tx1"/>
+                </a:solidFill>
+                <a:latin typeface="+mn-lt"/>
+                <a:ea typeface="+mn-ea"/>
+                <a:cs typeface="+mn-cs"/>
+              </a:defRPr>
+            </a:lvl3pPr>
+            <a:lvl4pPr marL="1600200" indent="-228600" algn="l" defTabSz="914400" rtl="0" eaLnBrk="1" latinLnBrk="0" hangingPunct="1">
+              <a:spcBef>
+                <a:spcPct val="20000"/>
+              </a:spcBef>
+              <a:buFont typeface="Arial" pitchFamily="34" charset="0"/>
+              <a:buChar char="–"/>
+              <a:defRPr sz="2000" kern="1200">
+                <a:solidFill>
+                  <a:schemeClr val="tx1"/>
+                </a:solidFill>
+                <a:latin typeface="+mn-lt"/>
+                <a:ea typeface="+mn-ea"/>
+                <a:cs typeface="+mn-cs"/>
+              </a:defRPr>
+            </a:lvl4pPr>
+            <a:lvl5pPr marL="2057400" indent="-228600" algn="l" defTabSz="914400" rtl="0" eaLnBrk="1" latinLnBrk="0" hangingPunct="1">
+              <a:spcBef>
+                <a:spcPct val="20000"/>
+              </a:spcBef>
+              <a:buFont typeface="Arial" pitchFamily="34" charset="0"/>
+              <a:buChar char="»"/>
+              <a:defRPr sz="2000" kern="1200">
+                <a:solidFill>
+                  <a:schemeClr val="tx1"/>
+                </a:solidFill>
+                <a:latin typeface="+mn-lt"/>
+                <a:ea typeface="+mn-ea"/>
+                <a:cs typeface="+mn-cs"/>
+              </a:defRPr>
+            </a:lvl5pPr>
+            <a:lvl6pPr marL="2514600" indent="-228600" algn="l" defTabSz="914400" rtl="0" eaLnBrk="1" latinLnBrk="0" hangingPunct="1">
+              <a:spcBef>
+                <a:spcPct val="20000"/>
+              </a:spcBef>
+              <a:buFont typeface="Arial" pitchFamily="34" charset="0"/>
+              <a:buChar char="•"/>
+              <a:defRPr sz="2000" kern="1200">
+                <a:solidFill>
+                  <a:schemeClr val="tx1"/>
+                </a:solidFill>
+                <a:latin typeface="+mn-lt"/>
+                <a:ea typeface="+mn-ea"/>
+                <a:cs typeface="+mn-cs"/>
+              </a:defRPr>
+            </a:lvl6pPr>
+            <a:lvl7pPr marL="2971800" indent="-228600" algn="l" defTabSz="914400" rtl="0" eaLnBrk="1" latinLnBrk="0" hangingPunct="1">
+              <a:spcBef>
+                <a:spcPct val="20000"/>
+              </a:spcBef>
+              <a:buFont typeface="Arial" pitchFamily="34" charset="0"/>
+              <a:buChar char="•"/>
+              <a:defRPr sz="2000" kern="1200">
+                <a:solidFill>
+                  <a:schemeClr val="tx1"/>
+                </a:solidFill>
+                <a:latin typeface="+mn-lt"/>
+                <a:ea typeface="+mn-ea"/>
+                <a:cs typeface="+mn-cs"/>
+              </a:defRPr>
+            </a:lvl7pPr>
+            <a:lvl8pPr marL="3429000" indent="-228600" algn="l" defTabSz="914400" rtl="0" eaLnBrk="1" latinLnBrk="0" hangingPunct="1">
+              <a:spcBef>
+                <a:spcPct val="20000"/>
+              </a:spcBef>
+              <a:buFont typeface="Arial" pitchFamily="34" charset="0"/>
+              <a:buChar char="•"/>
+              <a:defRPr sz="2000" kern="1200">
+                <a:solidFill>
+                  <a:schemeClr val="tx1"/>
+                </a:solidFill>
+                <a:latin typeface="+mn-lt"/>
+                <a:ea typeface="+mn-ea"/>
+                <a:cs typeface="+mn-cs"/>
+              </a:defRPr>
+            </a:lvl8pPr>
+            <a:lvl9pPr marL="3886200" indent="-228600" algn="l" defTabSz="914400" rtl="0" eaLnBrk="1" latinLnBrk="0" hangingPunct="1">
+              <a:spcBef>
+                <a:spcPct val="20000"/>
+              </a:spcBef>
+              <a:buFont typeface="Arial" pitchFamily="34" charset="0"/>
+              <a:buChar char="•"/>
+              <a:defRPr sz="2000" kern="1200">
+                <a:solidFill>
+                  <a:schemeClr val="tx1"/>
+                </a:solidFill>
+                <a:latin typeface="+mn-lt"/>
+                <a:ea typeface="+mn-ea"/>
+                <a:cs typeface="+mn-cs"/>
+              </a:defRPr>
+            </a:lvl9pPr>
+          </a:lstStyle>
           <a:p>
             <a:pPr marL="0" indent="0">
+              <a:buFont typeface="Arial" pitchFamily="34" charset="0"/>
               <a:buNone/>
             </a:pPr>
             <a:r>
-              <a:rPr lang="en-US" dirty="0" smtClean="0"/>
-              <a:t>pip install </a:t>
-            </a:r>
-            <a:r>
-              <a:rPr lang="en-US" dirty="0" err="1" smtClean="0"/>
-              <a:t>tensorflow</a:t>
-            </a:r>
-            <a:endParaRPr lang="en-MY" dirty="0"/>
+              <a:rPr lang="en-MY" sz="1400" dirty="0" smtClean="0">
+                <a:hlinkClick r:id="rId3"/>
+              </a:rPr>
+              <a:t>https://www.howtogeek.com/194041/how-to-open-the-command-prompt-as-administrator-in-windows-8.1/</a:t>
+            </a:r>
+            <a:endParaRPr lang="en-MY" sz="1400" dirty="0"/>
           </a:p>
         </p:txBody>
       </p:sp>
     </p:spTree>
     <p:extLst>
       <p:ext uri="{BB962C8B-B14F-4D97-AF65-F5344CB8AC3E}">
-        <p14:creationId xmlns:p14="http://schemas.microsoft.com/office/powerpoint/2010/main" val="4044587543"/>
+        <p14:creationId xmlns:p14="http://schemas.microsoft.com/office/powerpoint/2010/main" val="2936433430"/>
       </p:ext>
     </p:extLst>
   </p:cSld>
   <p:clrMapOvr>
     <a:masterClrMapping/>
   </p:clrMapOvr>
+  <p:timing>
+    <p:tnLst>
+      <p:par>
+        <p:cTn id="1" dur="indefinite" restart="never" nodeType="tmRoot"/>
+      </p:par>
+    </p:tnLst>
+  </p:timing>
 </p:sld>
 </file>
 
@@ -3917,6 +4762,593 @@
         </p:nvSpPr>
         <p:spPr/>
         <p:txBody>
+          <a:bodyPr/>
+          <a:lstStyle/>
+          <a:p>
+            <a:r>
+              <a:rPr lang="en-US" dirty="0" smtClean="0"/>
+              <a:t>Install gym-</a:t>
+            </a:r>
+            <a:r>
+              <a:rPr lang="en-US" dirty="0" err="1" smtClean="0"/>
+              <a:t>Duckietown</a:t>
+            </a:r>
+            <a:endParaRPr lang="en-MY" dirty="0"/>
+          </a:p>
+        </p:txBody>
+      </p:sp>
+      <p:sp>
+        <p:nvSpPr>
+          <p:cNvPr id="3" name="Content Placeholder 2"/>
+          <p:cNvSpPr>
+            <a:spLocks noGrp="1"/>
+          </p:cNvSpPr>
+          <p:nvPr>
+            <p:ph idx="1"/>
+          </p:nvPr>
+        </p:nvSpPr>
+        <p:spPr/>
+        <p:txBody>
+          <a:bodyPr/>
+          <a:lstStyle/>
+          <a:p>
+            <a:r>
+              <a:rPr lang="en-US" dirty="0" smtClean="0"/>
+              <a:t>cd </a:t>
+            </a:r>
+            <a:r>
+              <a:rPr lang="en-US" dirty="0"/>
+              <a:t>gym-</a:t>
+            </a:r>
+            <a:r>
+              <a:rPr lang="en-US" dirty="0" err="1"/>
+              <a:t>duckietown</a:t>
+            </a:r>
+            <a:endParaRPr lang="en-US" dirty="0"/>
+          </a:p>
+          <a:p>
+            <a:r>
+              <a:rPr lang="en-US" dirty="0" smtClean="0"/>
+              <a:t>pip3 </a:t>
+            </a:r>
+            <a:r>
+              <a:rPr lang="en-US" dirty="0"/>
+              <a:t>install -e </a:t>
+            </a:r>
+            <a:r>
+              <a:rPr lang="en-US" dirty="0" smtClean="0"/>
+              <a:t>.</a:t>
+            </a:r>
+          </a:p>
+          <a:p>
+            <a:r>
+              <a:rPr lang="en-US" dirty="0" smtClean="0"/>
+              <a:t>pip3 install </a:t>
+            </a:r>
+            <a:r>
+              <a:rPr lang="en-US" dirty="0" err="1" smtClean="0"/>
+              <a:t>pyglet</a:t>
+            </a:r>
+            <a:r>
+              <a:rPr lang="en-US" dirty="0" smtClean="0"/>
+              <a:t>==1.3.2</a:t>
+            </a:r>
+          </a:p>
+          <a:p>
+            <a:r>
+              <a:rPr lang="en-US" dirty="0" smtClean="0"/>
+              <a:t>python manual_control.py</a:t>
+            </a:r>
+          </a:p>
+          <a:p>
+            <a:endParaRPr lang="en-US" dirty="0" smtClean="0"/>
+          </a:p>
+        </p:txBody>
+      </p:sp>
+    </p:spTree>
+    <p:extLst>
+      <p:ext uri="{BB962C8B-B14F-4D97-AF65-F5344CB8AC3E}">
+        <p14:creationId xmlns:p14="http://schemas.microsoft.com/office/powerpoint/2010/main" val="3799418200"/>
+      </p:ext>
+    </p:extLst>
+  </p:cSld>
+  <p:clrMapOvr>
+    <a:masterClrMapping/>
+  </p:clrMapOvr>
+  <p:timing>
+    <p:tnLst>
+      <p:par>
+        <p:cTn id="1" dur="indefinite" restart="never" nodeType="tmRoot"/>
+      </p:par>
+    </p:tnLst>
+  </p:timing>
+</p:sld>
+</file>
+
+<file path=ppt/slides/slide7.xml><?xml version="1.0" encoding="utf-8"?>
+<p:sld xmlns:a="http://schemas.openxmlformats.org/drawingml/2006/main" xmlns:r="http://schemas.openxmlformats.org/officeDocument/2006/relationships" xmlns:p="http://schemas.openxmlformats.org/presentationml/2006/main">
+  <p:cSld>
+    <p:spTree>
+      <p:nvGrpSpPr>
+        <p:cNvPr id="1" name=""/>
+        <p:cNvGrpSpPr/>
+        <p:nvPr/>
+      </p:nvGrpSpPr>
+      <p:grpSpPr>
+        <a:xfrm>
+          <a:off x="0" y="0"/>
+          <a:ext cx="0" cy="0"/>
+          <a:chOff x="0" y="0"/>
+          <a:chExt cx="0" cy="0"/>
+        </a:xfrm>
+      </p:grpSpPr>
+      <p:sp>
+        <p:nvSpPr>
+          <p:cNvPr id="2" name="Title 1"/>
+          <p:cNvSpPr>
+            <a:spLocks noGrp="1"/>
+          </p:cNvSpPr>
+          <p:nvPr>
+            <p:ph type="title"/>
+          </p:nvPr>
+        </p:nvSpPr>
+        <p:spPr/>
+        <p:txBody>
+          <a:bodyPr/>
+          <a:lstStyle/>
+          <a:p>
+            <a:r>
+              <a:rPr lang="en-US" dirty="0" smtClean="0"/>
+              <a:t>Install </a:t>
+            </a:r>
+            <a:r>
+              <a:rPr lang="en-US" dirty="0" err="1" smtClean="0"/>
+              <a:t>Tensorflow</a:t>
+            </a:r>
+            <a:endParaRPr lang="en-MY" dirty="0"/>
+          </a:p>
+        </p:txBody>
+      </p:sp>
+      <p:sp>
+        <p:nvSpPr>
+          <p:cNvPr id="3" name="Content Placeholder 2"/>
+          <p:cNvSpPr>
+            <a:spLocks noGrp="1"/>
+          </p:cNvSpPr>
+          <p:nvPr>
+            <p:ph sz="half" idx="1"/>
+          </p:nvPr>
+        </p:nvSpPr>
+        <p:spPr>
+          <a:xfrm>
+            <a:off x="457200" y="1600200"/>
+            <a:ext cx="5334000" cy="4525963"/>
+          </a:xfrm>
+        </p:spPr>
+        <p:txBody>
+          <a:bodyPr/>
+          <a:lstStyle/>
+          <a:p>
+            <a:r>
+              <a:rPr lang="en-US" dirty="0" smtClean="0"/>
+              <a:t>if you have </a:t>
+            </a:r>
+            <a:r>
+              <a:rPr lang="en-US" dirty="0" err="1" smtClean="0"/>
+              <a:t>Nvidia</a:t>
+            </a:r>
+            <a:r>
+              <a:rPr lang="en-US" dirty="0" smtClean="0"/>
+              <a:t>-GPU</a:t>
+            </a:r>
+          </a:p>
+          <a:p>
+            <a:pPr marL="0" indent="0">
+              <a:buNone/>
+            </a:pPr>
+            <a:r>
+              <a:rPr lang="en-US" dirty="0" smtClean="0"/>
+              <a:t>pip3 install </a:t>
+            </a:r>
+            <a:r>
+              <a:rPr lang="en-US" dirty="0" err="1" smtClean="0"/>
+              <a:t>tensorflow-gpu</a:t>
+            </a:r>
+            <a:r>
+              <a:rPr lang="en-US" dirty="0" smtClean="0"/>
+              <a:t> </a:t>
+            </a:r>
+          </a:p>
+          <a:p>
+            <a:pPr marL="0" indent="0">
+              <a:buNone/>
+            </a:pPr>
+            <a:endParaRPr lang="en-US" dirty="0"/>
+          </a:p>
+          <a:p>
+            <a:pPr marL="0" indent="0">
+              <a:buNone/>
+            </a:pPr>
+            <a:endParaRPr lang="en-US" dirty="0" smtClean="0"/>
+          </a:p>
+          <a:p>
+            <a:pPr marL="0" indent="0">
+              <a:buNone/>
+            </a:pPr>
+            <a:endParaRPr lang="en-US" dirty="0" smtClean="0"/>
+          </a:p>
+          <a:p>
+            <a:r>
+              <a:rPr lang="en-US" dirty="0" smtClean="0"/>
+              <a:t>if you don’t have </a:t>
+            </a:r>
+            <a:r>
+              <a:rPr lang="en-US" dirty="0" err="1" smtClean="0"/>
+              <a:t>Nvidia</a:t>
+            </a:r>
+            <a:r>
+              <a:rPr lang="en-US" dirty="0" smtClean="0"/>
+              <a:t>-GPU</a:t>
+            </a:r>
+          </a:p>
+          <a:p>
+            <a:pPr marL="0" indent="0">
+              <a:buNone/>
+            </a:pPr>
+            <a:r>
+              <a:rPr lang="en-US" dirty="0" smtClean="0"/>
+              <a:t>pip3 install </a:t>
+            </a:r>
+            <a:r>
+              <a:rPr lang="en-US" dirty="0" err="1" smtClean="0"/>
+              <a:t>tensorflow</a:t>
+            </a:r>
+            <a:endParaRPr lang="en-MY" dirty="0"/>
+          </a:p>
+        </p:txBody>
+      </p:sp>
+      <p:pic>
+        <p:nvPicPr>
+          <p:cNvPr id="3074" name="Picture 2"/>
+          <p:cNvPicPr>
+            <a:picLocks noChangeAspect="1" noChangeArrowheads="1"/>
+          </p:cNvPicPr>
+          <p:nvPr/>
+        </p:nvPicPr>
+        <p:blipFill>
+          <a:blip r:embed="rId3" cstate="print">
+            <a:extLst>
+              <a:ext uri="{28A0092B-C50C-407E-A947-70E740481C1C}">
+                <a14:useLocalDpi xmlns:a14="http://schemas.microsoft.com/office/drawing/2010/main" val="0"/>
+              </a:ext>
+            </a:extLst>
+          </a:blip>
+          <a:srcRect/>
+          <a:stretch>
+            <a:fillRect/>
+          </a:stretch>
+        </p:blipFill>
+        <p:spPr bwMode="auto">
+          <a:xfrm>
+            <a:off x="5943600" y="1219200"/>
+            <a:ext cx="2971800" cy="2228850"/>
+          </a:xfrm>
+          <a:prstGeom prst="rect">
+            <a:avLst/>
+          </a:prstGeom>
+          <a:noFill/>
+          <a:ln>
+            <a:noFill/>
+          </a:ln>
+          <a:extLst>
+            <a:ext uri="{909E8E84-426E-40DD-AFC4-6F175D3DCCD1}">
+              <a14:hiddenFill xmlns:a14="http://schemas.microsoft.com/office/drawing/2010/main">
+                <a:solidFill>
+                  <a:schemeClr val="accent1"/>
+                </a:solidFill>
+              </a14:hiddenFill>
+            </a:ext>
+            <a:ext uri="{91240B29-F687-4F45-9708-019B960494DF}">
+              <a14:hiddenLine xmlns:a14="http://schemas.microsoft.com/office/drawing/2010/main" w="9525">
+                <a:solidFill>
+                  <a:schemeClr val="tx1"/>
+                </a:solidFill>
+                <a:miter lim="800000"/>
+                <a:headEnd/>
+                <a:tailEnd/>
+              </a14:hiddenLine>
+            </a:ext>
+          </a:extLst>
+        </p:spPr>
+      </p:pic>
+      <p:pic>
+        <p:nvPicPr>
+          <p:cNvPr id="3075" name="Picture 3"/>
+          <p:cNvPicPr>
+            <a:picLocks noChangeAspect="1" noChangeArrowheads="1"/>
+          </p:cNvPicPr>
+          <p:nvPr/>
+        </p:nvPicPr>
+        <p:blipFill>
+          <a:blip r:embed="rId4" cstate="print">
+            <a:extLst>
+              <a:ext uri="{28A0092B-C50C-407E-A947-70E740481C1C}">
+                <a14:useLocalDpi xmlns:a14="http://schemas.microsoft.com/office/drawing/2010/main" val="0"/>
+              </a:ext>
+            </a:extLst>
+          </a:blip>
+          <a:srcRect/>
+          <a:stretch>
+            <a:fillRect/>
+          </a:stretch>
+        </p:blipFill>
+        <p:spPr bwMode="auto">
+          <a:xfrm>
+            <a:off x="5654139" y="4495800"/>
+            <a:ext cx="3489862" cy="2362200"/>
+          </a:xfrm>
+          <a:prstGeom prst="rect">
+            <a:avLst/>
+          </a:prstGeom>
+          <a:noFill/>
+          <a:ln>
+            <a:noFill/>
+          </a:ln>
+          <a:extLst>
+            <a:ext uri="{909E8E84-426E-40DD-AFC4-6F175D3DCCD1}">
+              <a14:hiddenFill xmlns:a14="http://schemas.microsoft.com/office/drawing/2010/main">
+                <a:solidFill>
+                  <a:schemeClr val="accent1"/>
+                </a:solidFill>
+              </a14:hiddenFill>
+            </a:ext>
+            <a:ext uri="{91240B29-F687-4F45-9708-019B960494DF}">
+              <a14:hiddenLine xmlns:a14="http://schemas.microsoft.com/office/drawing/2010/main" w="9525">
+                <a:solidFill>
+                  <a:schemeClr val="tx1"/>
+                </a:solidFill>
+                <a:miter lim="800000"/>
+                <a:headEnd/>
+                <a:tailEnd/>
+              </a14:hiddenLine>
+            </a:ext>
+          </a:extLst>
+        </p:spPr>
+      </p:pic>
+      <p:sp>
+        <p:nvSpPr>
+          <p:cNvPr id="6" name="Multiply 5"/>
+          <p:cNvSpPr/>
+          <p:nvPr/>
+        </p:nvSpPr>
+        <p:spPr>
+          <a:xfrm>
+            <a:off x="609600" y="1066800"/>
+            <a:ext cx="4267200" cy="2895600"/>
+          </a:xfrm>
+          <a:prstGeom prst="mathMultiply">
+            <a:avLst/>
+          </a:prstGeom>
+          <a:solidFill>
+            <a:srgbClr val="FF0000"/>
+          </a:solidFill>
+        </p:spPr>
+        <p:style>
+          <a:lnRef idx="2">
+            <a:schemeClr val="accent1">
+              <a:shade val="50000"/>
+            </a:schemeClr>
+          </a:lnRef>
+          <a:fillRef idx="1">
+            <a:schemeClr val="accent1"/>
+          </a:fillRef>
+          <a:effectRef idx="0">
+            <a:schemeClr val="accent1"/>
+          </a:effectRef>
+          <a:fontRef idx="minor">
+            <a:schemeClr val="lt1"/>
+          </a:fontRef>
+        </p:style>
+        <p:txBody>
+          <a:bodyPr rtlCol="0" anchor="ctr"/>
+          <a:lstStyle/>
+          <a:p>
+            <a:pPr algn="ctr"/>
+            <a:endParaRPr lang="en-MY"/>
+          </a:p>
+        </p:txBody>
+      </p:sp>
+      <p:sp>
+        <p:nvSpPr>
+          <p:cNvPr id="9" name="Multiply 8"/>
+          <p:cNvSpPr/>
+          <p:nvPr/>
+        </p:nvSpPr>
+        <p:spPr>
+          <a:xfrm>
+            <a:off x="5067300" y="1054100"/>
+            <a:ext cx="4267200" cy="2895600"/>
+          </a:xfrm>
+          <a:prstGeom prst="mathMultiply">
+            <a:avLst/>
+          </a:prstGeom>
+          <a:solidFill>
+            <a:srgbClr val="FF0000"/>
+          </a:solidFill>
+        </p:spPr>
+        <p:style>
+          <a:lnRef idx="2">
+            <a:schemeClr val="accent1">
+              <a:shade val="50000"/>
+            </a:schemeClr>
+          </a:lnRef>
+          <a:fillRef idx="1">
+            <a:schemeClr val="accent1"/>
+          </a:fillRef>
+          <a:effectRef idx="0">
+            <a:schemeClr val="accent1"/>
+          </a:effectRef>
+          <a:fontRef idx="minor">
+            <a:schemeClr val="lt1"/>
+          </a:fontRef>
+        </p:style>
+        <p:txBody>
+          <a:bodyPr rtlCol="0" anchor="ctr"/>
+          <a:lstStyle/>
+          <a:p>
+            <a:pPr algn="ctr"/>
+            <a:endParaRPr lang="en-MY"/>
+          </a:p>
+        </p:txBody>
+      </p:sp>
+    </p:spTree>
+    <p:extLst>
+      <p:ext uri="{BB962C8B-B14F-4D97-AF65-F5344CB8AC3E}">
+        <p14:creationId xmlns:p14="http://schemas.microsoft.com/office/powerpoint/2010/main" val="4044587543"/>
+      </p:ext>
+    </p:extLst>
+  </p:cSld>
+  <p:clrMapOvr>
+    <a:masterClrMapping/>
+  </p:clrMapOvr>
+  <p:timing>
+    <p:tnLst>
+      <p:par>
+        <p:cTn id="1" dur="indefinite" restart="never" nodeType="tmRoot">
+          <p:childTnLst>
+            <p:seq concurrent="1" nextAc="seek">
+              <p:cTn id="2" dur="indefinite" nodeType="mainSeq">
+                <p:childTnLst>
+                  <p:par>
+                    <p:cTn id="3" fill="hold">
+                      <p:stCondLst>
+                        <p:cond delay="indefinite"/>
+                      </p:stCondLst>
+                      <p:childTnLst>
+                        <p:par>
+                          <p:cTn id="4" fill="hold">
+                            <p:stCondLst>
+                              <p:cond delay="0"/>
+                            </p:stCondLst>
+                            <p:childTnLst>
+                              <p:par>
+                                <p:cTn id="5" presetID="1" presetClass="entr" presetSubtype="0" fill="hold" grpId="0" nodeType="clickEffect">
+                                  <p:stCondLst>
+                                    <p:cond delay="0"/>
+                                  </p:stCondLst>
+                                  <p:childTnLst>
+                                    <p:set>
+                                      <p:cBhvr>
+                                        <p:cTn id="6" dur="1" fill="hold">
+                                          <p:stCondLst>
+                                            <p:cond delay="0"/>
+                                          </p:stCondLst>
+                                        </p:cTn>
+                                        <p:tgtEl>
+                                          <p:spTgt spid="6"/>
+                                        </p:tgtEl>
+                                        <p:attrNameLst>
+                                          <p:attrName>style.visibility</p:attrName>
+                                        </p:attrNameLst>
+                                      </p:cBhvr>
+                                      <p:to>
+                                        <p:strVal val="visible"/>
+                                      </p:to>
+                                    </p:set>
+                                  </p:childTnLst>
+                                </p:cTn>
+                              </p:par>
+                              <p:par>
+                                <p:cTn id="7" presetID="1" presetClass="entr" presetSubtype="0" fill="hold" grpId="0" nodeType="withEffect">
+                                  <p:stCondLst>
+                                    <p:cond delay="0"/>
+                                  </p:stCondLst>
+                                  <p:childTnLst>
+                                    <p:set>
+                                      <p:cBhvr>
+                                        <p:cTn id="8" dur="1" fill="hold">
+                                          <p:stCondLst>
+                                            <p:cond delay="0"/>
+                                          </p:stCondLst>
+                                        </p:cTn>
+                                        <p:tgtEl>
+                                          <p:spTgt spid="9"/>
+                                        </p:tgtEl>
+                                        <p:attrNameLst>
+                                          <p:attrName>style.visibility</p:attrName>
+                                        </p:attrNameLst>
+                                      </p:cBhvr>
+                                      <p:to>
+                                        <p:strVal val="visible"/>
+                                      </p:to>
+                                    </p:set>
+                                  </p:childTnLst>
+                                </p:cTn>
+                              </p:par>
+                            </p:childTnLst>
+                          </p:cTn>
+                        </p:par>
+                      </p:childTnLst>
+                    </p:cTn>
+                  </p:par>
+                </p:childTnLst>
+              </p:cTn>
+              <p:prevCondLst>
+                <p:cond evt="onPrev" delay="0">
+                  <p:tgtEl>
+                    <p:sldTgt/>
+                  </p:tgtEl>
+                </p:cond>
+              </p:prevCondLst>
+              <p:nextCondLst>
+                <p:cond evt="onNext" delay="0">
+                  <p:tgtEl>
+                    <p:sldTgt/>
+                  </p:tgtEl>
+                </p:cond>
+              </p:nextCondLst>
+            </p:seq>
+          </p:childTnLst>
+        </p:cTn>
+      </p:par>
+    </p:tnLst>
+    <p:bldLst>
+      <p:bldP spid="6" grpId="0" animBg="1"/>
+      <p:bldP spid="9" grpId="0" animBg="1"/>
+    </p:bldLst>
+  </p:timing>
+</p:sld>
+</file>
+
+<file path=ppt/slides/slide8.xml><?xml version="1.0" encoding="utf-8"?>
+<p:sld xmlns:a="http://schemas.openxmlformats.org/drawingml/2006/main" xmlns:r="http://schemas.openxmlformats.org/officeDocument/2006/relationships" xmlns:p="http://schemas.openxmlformats.org/presentationml/2006/main">
+  <p:cSld>
+    <p:spTree>
+      <p:nvGrpSpPr>
+        <p:cNvPr id="1" name=""/>
+        <p:cNvGrpSpPr/>
+        <p:nvPr/>
+      </p:nvGrpSpPr>
+      <p:grpSpPr>
+        <a:xfrm>
+          <a:off x="0" y="0"/>
+          <a:ext cx="0" cy="0"/>
+          <a:chOff x="0" y="0"/>
+          <a:chExt cx="0" cy="0"/>
+        </a:xfrm>
+      </p:grpSpPr>
+      <p:sp>
+        <p:nvSpPr>
+          <p:cNvPr id="2" name="Title 1"/>
+          <p:cNvSpPr>
+            <a:spLocks noGrp="1"/>
+          </p:cNvSpPr>
+          <p:nvPr>
+            <p:ph type="title"/>
+          </p:nvPr>
+        </p:nvSpPr>
+        <p:spPr/>
+        <p:txBody>
           <a:bodyPr>
             <a:normAutofit/>
           </a:bodyPr>
@@ -3947,7 +5379,7 @@
           <a:p>
             <a:r>
               <a:rPr lang="en-US" dirty="0" smtClean="0"/>
-              <a:t>pip install </a:t>
+              <a:t>pip3 install </a:t>
             </a:r>
             <a:r>
               <a:rPr lang="en-US" dirty="0" err="1" smtClean="0"/>
@@ -3958,7 +5390,7 @@
           <a:p>
             <a:r>
               <a:rPr lang="en-US" dirty="0" smtClean="0"/>
-              <a:t>pip install </a:t>
+              <a:t>pip3 install </a:t>
             </a:r>
             <a:r>
               <a:rPr lang="en-US" dirty="0" err="1" smtClean="0"/>
@@ -3968,7 +5400,17 @@
               <a:rPr lang="en-US" dirty="0" smtClean="0"/>
               <a:t>-learn</a:t>
             </a:r>
-            <a:endParaRPr lang="en-MY" dirty="0"/>
+          </a:p>
+          <a:p>
+            <a:r>
+              <a:rPr lang="en-US" dirty="0" smtClean="0"/>
+              <a:t>pip3 install </a:t>
+            </a:r>
+            <a:r>
+              <a:rPr lang="en-US" dirty="0" err="1" smtClean="0"/>
+              <a:t>tqdm</a:t>
+            </a:r>
+            <a:endParaRPr lang="en-US" dirty="0" smtClean="0"/>
           </a:p>
         </p:txBody>
       </p:sp>
@@ -3982,6 +5424,13 @@
   <p:clrMapOvr>
     <a:masterClrMapping/>
   </p:clrMapOvr>
+  <p:timing>
+    <p:tnLst>
+      <p:par>
+        <p:cTn id="1" dur="indefinite" restart="never" nodeType="tmRoot"/>
+      </p:par>
+    </p:tnLst>
+  </p:timing>
 </p:sld>
 </file>
 
@@ -4266,4 +5715,289 @@
   <a:objectDefaults/>
   <a:extraClrSchemeLst/>
 </a:theme>
+</file>
+
+<file path=ppt/theme/theme2.xml><?xml version="1.0" encoding="utf-8"?>
+<a:theme xmlns:a="http://schemas.openxmlformats.org/drawingml/2006/main" name="Office Theme">
+  <a:themeElements>
+    <a:clrScheme name="Office">
+      <a:dk1>
+        <a:sysClr val="windowText" lastClr="000000"/>
+      </a:dk1>
+      <a:lt1>
+        <a:sysClr val="window" lastClr="FFFFFF"/>
+      </a:lt1>
+      <a:dk2>
+        <a:srgbClr val="1F497D"/>
+      </a:dk2>
+      <a:lt2>
+        <a:srgbClr val="EEECE1"/>
+      </a:lt2>
+      <a:accent1>
+        <a:srgbClr val="4F81BD"/>
+      </a:accent1>
+      <a:accent2>
+        <a:srgbClr val="C0504D"/>
+      </a:accent2>
+      <a:accent3>
+        <a:srgbClr val="9BBB59"/>
+      </a:accent3>
+      <a:accent4>
+        <a:srgbClr val="8064A2"/>
+      </a:accent4>
+      <a:accent5>
+        <a:srgbClr val="4BACC6"/>
+      </a:accent5>
+      <a:accent6>
+        <a:srgbClr val="F79646"/>
+      </a:accent6>
+      <a:hlink>
+        <a:srgbClr val="0000FF"/>
+      </a:hlink>
+      <a:folHlink>
+        <a:srgbClr val="800080"/>
+      </a:folHlink>
+    </a:clrScheme>
+    <a:fontScheme name="Office">
+      <a:majorFont>
+        <a:latin typeface="Calibri"/>
+        <a:ea typeface=""/>
+        <a:cs typeface=""/>
+        <a:font script="Jpan" typeface="ＭＳ Ｐゴシック"/>
+        <a:font script="Hang" typeface="맑은 고딕"/>
+        <a:font script="Hans" typeface="宋体"/>
+        <a:font script="Hant" typeface="新細明體"/>
+        <a:font script="Arab" typeface="Times New Roman"/>
+        <a:font script="Hebr" typeface="Times New Roman"/>
+        <a:font script="Thai" typeface="Angsana New"/>
+        <a:font script="Ethi" typeface="Nyala"/>
+        <a:font script="Beng" typeface="Vrinda"/>
+        <a:font script="Gujr" typeface="Shruti"/>
+        <a:font script="Khmr" typeface="MoolBoran"/>
+        <a:font script="Knda" typeface="Tunga"/>
+        <a:font script="Guru" typeface="Raavi"/>
+        <a:font script="Cans" typeface="Euphemia"/>
+        <a:font script="Cher" typeface="Plantagenet Cherokee"/>
+        <a:font script="Yiii" typeface="Microsoft Yi Baiti"/>
+        <a:font script="Tibt" typeface="Microsoft Himalaya"/>
+        <a:font script="Thaa" typeface="MV Boli"/>
+        <a:font script="Deva" typeface="Mangal"/>
+        <a:font script="Telu" typeface="Gautami"/>
+        <a:font script="Taml" typeface="Latha"/>
+        <a:font script="Syrc" typeface="Estrangelo Edessa"/>
+        <a:font script="Orya" typeface="Kalinga"/>
+        <a:font script="Mlym" typeface="Kartika"/>
+        <a:font script="Laoo" typeface="DokChampa"/>
+        <a:font script="Sinh" typeface="Iskoola Pota"/>
+        <a:font script="Mong" typeface="Mongolian Baiti"/>
+        <a:font script="Viet" typeface="Times New Roman"/>
+        <a:font script="Uigh" typeface="Microsoft Uighur"/>
+        <a:font script="Geor" typeface="Sylfaen"/>
+      </a:majorFont>
+      <a:minorFont>
+        <a:latin typeface="Calibri"/>
+        <a:ea typeface=""/>
+        <a:cs typeface=""/>
+        <a:font script="Jpan" typeface="ＭＳ Ｐゴシック"/>
+        <a:font script="Hang" typeface="맑은 고딕"/>
+        <a:font script="Hans" typeface="宋体"/>
+        <a:font script="Hant" typeface="新細明體"/>
+        <a:font script="Arab" typeface="Arial"/>
+        <a:font script="Hebr" typeface="Arial"/>
+        <a:font script="Thai" typeface="Cordia New"/>
+        <a:font script="Ethi" typeface="Nyala"/>
+        <a:font script="Beng" typeface="Vrinda"/>
+        <a:font script="Gujr" typeface="Shruti"/>
+        <a:font script="Khmr" typeface="DaunPenh"/>
+        <a:font script="Knda" typeface="Tunga"/>
+        <a:font script="Guru" typeface="Raavi"/>
+        <a:font script="Cans" typeface="Euphemia"/>
+        <a:font script="Cher" typeface="Plantagenet Cherokee"/>
+        <a:font script="Yiii" typeface="Microsoft Yi Baiti"/>
+        <a:font script="Tibt" typeface="Microsoft Himalaya"/>
+        <a:font script="Thaa" typeface="MV Boli"/>
+        <a:font script="Deva" typeface="Mangal"/>
+        <a:font script="Telu" typeface="Gautami"/>
+        <a:font script="Taml" typeface="Latha"/>
+        <a:font script="Syrc" typeface="Estrangelo Edessa"/>
+        <a:font script="Orya" typeface="Kalinga"/>
+        <a:font script="Mlym" typeface="Kartika"/>
+        <a:font script="Laoo" typeface="DokChampa"/>
+        <a:font script="Sinh" typeface="Iskoola Pota"/>
+        <a:font script="Mong" typeface="Mongolian Baiti"/>
+        <a:font script="Viet" typeface="Arial"/>
+        <a:font script="Uigh" typeface="Microsoft Uighur"/>
+        <a:font script="Geor" typeface="Sylfaen"/>
+      </a:minorFont>
+    </a:fontScheme>
+    <a:fmtScheme name="Office">
+      <a:fillStyleLst>
+        <a:solidFill>
+          <a:schemeClr val="phClr"/>
+        </a:solidFill>
+        <a:gradFill rotWithShape="1">
+          <a:gsLst>
+            <a:gs pos="0">
+              <a:schemeClr val="phClr">
+                <a:tint val="50000"/>
+                <a:satMod val="300000"/>
+              </a:schemeClr>
+            </a:gs>
+            <a:gs pos="35000">
+              <a:schemeClr val="phClr">
+                <a:tint val="37000"/>
+                <a:satMod val="300000"/>
+              </a:schemeClr>
+            </a:gs>
+            <a:gs pos="100000">
+              <a:schemeClr val="phClr">
+                <a:tint val="15000"/>
+                <a:satMod val="350000"/>
+              </a:schemeClr>
+            </a:gs>
+          </a:gsLst>
+          <a:lin ang="16200000" scaled="1"/>
+        </a:gradFill>
+        <a:gradFill rotWithShape="1">
+          <a:gsLst>
+            <a:gs pos="0">
+              <a:schemeClr val="phClr">
+                <a:shade val="51000"/>
+                <a:satMod val="130000"/>
+              </a:schemeClr>
+            </a:gs>
+            <a:gs pos="80000">
+              <a:schemeClr val="phClr">
+                <a:shade val="93000"/>
+                <a:satMod val="130000"/>
+              </a:schemeClr>
+            </a:gs>
+            <a:gs pos="100000">
+              <a:schemeClr val="phClr">
+                <a:shade val="94000"/>
+                <a:satMod val="135000"/>
+              </a:schemeClr>
+            </a:gs>
+          </a:gsLst>
+          <a:lin ang="16200000" scaled="0"/>
+        </a:gradFill>
+      </a:fillStyleLst>
+      <a:lnStyleLst>
+        <a:ln w="9525" cap="flat" cmpd="sng" algn="ctr">
+          <a:solidFill>
+            <a:schemeClr val="phClr">
+              <a:shade val="95000"/>
+              <a:satMod val="105000"/>
+            </a:schemeClr>
+          </a:solidFill>
+          <a:prstDash val="solid"/>
+        </a:ln>
+        <a:ln w="25400" cap="flat" cmpd="sng" algn="ctr">
+          <a:solidFill>
+            <a:schemeClr val="phClr"/>
+          </a:solidFill>
+          <a:prstDash val="solid"/>
+        </a:ln>
+        <a:ln w="38100" cap="flat" cmpd="sng" algn="ctr">
+          <a:solidFill>
+            <a:schemeClr val="phClr"/>
+          </a:solidFill>
+          <a:prstDash val="solid"/>
+        </a:ln>
+      </a:lnStyleLst>
+      <a:effectStyleLst>
+        <a:effectStyle>
+          <a:effectLst>
+            <a:outerShdw blurRad="40000" dist="20000" dir="5400000" rotWithShape="0">
+              <a:srgbClr val="000000">
+                <a:alpha val="38000"/>
+              </a:srgbClr>
+            </a:outerShdw>
+          </a:effectLst>
+        </a:effectStyle>
+        <a:effectStyle>
+          <a:effectLst>
+            <a:outerShdw blurRad="40000" dist="23000" dir="5400000" rotWithShape="0">
+              <a:srgbClr val="000000">
+                <a:alpha val="35000"/>
+              </a:srgbClr>
+            </a:outerShdw>
+          </a:effectLst>
+        </a:effectStyle>
+        <a:effectStyle>
+          <a:effectLst>
+            <a:outerShdw blurRad="40000" dist="23000" dir="5400000" rotWithShape="0">
+              <a:srgbClr val="000000">
+                <a:alpha val="35000"/>
+              </a:srgbClr>
+            </a:outerShdw>
+          </a:effectLst>
+          <a:scene3d>
+            <a:camera prst="orthographicFront">
+              <a:rot lat="0" lon="0" rev="0"/>
+            </a:camera>
+            <a:lightRig rig="threePt" dir="t">
+              <a:rot lat="0" lon="0" rev="1200000"/>
+            </a:lightRig>
+          </a:scene3d>
+          <a:sp3d>
+            <a:bevelT w="63500" h="25400"/>
+          </a:sp3d>
+        </a:effectStyle>
+      </a:effectStyleLst>
+      <a:bgFillStyleLst>
+        <a:solidFill>
+          <a:schemeClr val="phClr"/>
+        </a:solidFill>
+        <a:gradFill rotWithShape="1">
+          <a:gsLst>
+            <a:gs pos="0">
+              <a:schemeClr val="phClr">
+                <a:tint val="40000"/>
+                <a:satMod val="350000"/>
+              </a:schemeClr>
+            </a:gs>
+            <a:gs pos="40000">
+              <a:schemeClr val="phClr">
+                <a:tint val="45000"/>
+                <a:shade val="99000"/>
+                <a:satMod val="350000"/>
+              </a:schemeClr>
+            </a:gs>
+            <a:gs pos="100000">
+              <a:schemeClr val="phClr">
+                <a:shade val="20000"/>
+                <a:satMod val="255000"/>
+              </a:schemeClr>
+            </a:gs>
+          </a:gsLst>
+          <a:path path="circle">
+            <a:fillToRect l="50000" t="-80000" r="50000" b="180000"/>
+          </a:path>
+        </a:gradFill>
+        <a:gradFill rotWithShape="1">
+          <a:gsLst>
+            <a:gs pos="0">
+              <a:schemeClr val="phClr">
+                <a:tint val="80000"/>
+                <a:satMod val="300000"/>
+              </a:schemeClr>
+            </a:gs>
+            <a:gs pos="100000">
+              <a:schemeClr val="phClr">
+                <a:shade val="30000"/>
+                <a:satMod val="200000"/>
+              </a:schemeClr>
+            </a:gs>
+          </a:gsLst>
+          <a:path path="circle">
+            <a:fillToRect l="50000" t="50000" r="50000" b="50000"/>
+          </a:path>
+        </a:gradFill>
+      </a:bgFillStyleLst>
+    </a:fmtScheme>
+  </a:themeElements>
+  <a:objectDefaults/>
+  <a:extraClrSchemeLst/>
+</a:theme>
 </file>